--- a/2025/2025-12-05-AI-Updates.pptx
+++ b/2025/2025-12-05-AI-Updates.pptx
@@ -5,7 +5,7 @@
     <p:sldMasterId id="2147483661" r:id="rId1"/>
   </p:sldMasterIdLst>
   <p:notesMasterIdLst>
-    <p:notesMasterId r:id="rId15"/>
+    <p:notesMasterId r:id="rId17"/>
   </p:notesMasterIdLst>
   <p:sldIdLst>
     <p:sldId id="256" r:id="rId2"/>
@@ -21,16 +21,18 @@
     <p:sldId id="266" r:id="rId12"/>
     <p:sldId id="267" r:id="rId13"/>
     <p:sldId id="268" r:id="rId14"/>
+    <p:sldId id="269" r:id="rId15"/>
+    <p:sldId id="270" r:id="rId16"/>
   </p:sldIdLst>
   <p:sldSz cx="9144000" cy="5143500" type="screen16x9"/>
   <p:notesSz cx="6858000" cy="9144000"/>
   <p:embeddedFontLst>
     <p:embeddedFont>
       <p:font typeface="Roboto Mono" pitchFamily="49" charset="0"/>
-      <p:regular r:id="rId16"/>
-      <p:bold r:id="rId17"/>
-      <p:italic r:id="rId18"/>
-      <p:boldItalic r:id="rId19"/>
+      <p:regular r:id="rId18"/>
+      <p:bold r:id="rId19"/>
+      <p:italic r:id="rId20"/>
+      <p:boldItalic r:id="rId21"/>
     </p:embeddedFont>
   </p:embeddedFontLst>
   <p:defaultTextStyle>
@@ -971,7 +973,7 @@
   <p:cSld>
     <p:spTree>
       <p:nvGrpSpPr>
-        <p:cNvPr id="1" name="Shape 195"/>
+        <p:cNvPr id="1" name="Shape 207"/>
         <p:cNvGrpSpPr/>
         <p:nvPr/>
       </p:nvGrpSpPr>
@@ -985,7 +987,7 @@
       </p:grpSpPr>
       <p:sp>
         <p:nvSpPr>
-          <p:cNvPr id="196" name="Google Shape;196;g3913ae0aaf8_0_9:notes"/>
+          <p:cNvPr id="208" name="Google Shape;208;g3913ae0aaf8_0_9:notes"/>
           <p:cNvSpPr>
             <a:spLocks noGrp="1" noRot="1" noChangeAspect="1"/>
           </p:cNvSpPr>
@@ -1036,7 +1038,7 @@
       </p:sp>
       <p:sp>
         <p:nvSpPr>
-          <p:cNvPr id="197" name="Google Shape;197;g3913ae0aaf8_0_9:notes"/>
+          <p:cNvPr id="209" name="Google Shape;209;g3913ae0aaf8_0_9:notes"/>
           <p:cNvSpPr txBox="1">
             <a:spLocks noGrp="1"/>
           </p:cNvSpPr>
@@ -1093,7 +1095,7 @@
   <p:cSld>
     <p:spTree>
       <p:nvGrpSpPr>
-        <p:cNvPr id="1" name="Shape 202"/>
+        <p:cNvPr id="1" name="Shape 216"/>
         <p:cNvGrpSpPr/>
         <p:nvPr/>
       </p:nvGrpSpPr>
@@ -1107,7 +1109,7 @@
       </p:grpSpPr>
       <p:sp>
         <p:nvSpPr>
-          <p:cNvPr id="203" name="Google Shape;203;p23:notes"/>
+          <p:cNvPr id="217" name="Google Shape;217;g3acf640323b_0_0:notes"/>
           <p:cNvSpPr>
             <a:spLocks noGrp="1" noRot="1" noChangeAspect="1"/>
           </p:cNvSpPr>
@@ -1158,7 +1160,7 @@
       </p:sp>
       <p:sp>
         <p:nvSpPr>
-          <p:cNvPr id="204" name="Google Shape;204;p23:notes"/>
+          <p:cNvPr id="218" name="Google Shape;218;g3acf640323b_0_0:notes"/>
           <p:cNvSpPr txBox="1">
             <a:spLocks noGrp="1"/>
           </p:cNvSpPr>
@@ -1215,7 +1217,7 @@
   <p:cSld>
     <p:spTree>
       <p:nvGrpSpPr>
-        <p:cNvPr id="1" name="Shape 212"/>
+        <p:cNvPr id="1" name="Shape 224"/>
         <p:cNvGrpSpPr/>
         <p:nvPr/>
       </p:nvGrpSpPr>
@@ -1229,7 +1231,7 @@
       </p:grpSpPr>
       <p:sp>
         <p:nvSpPr>
-          <p:cNvPr id="213" name="Google Shape;213;p24:notes"/>
+          <p:cNvPr id="225" name="Google Shape;225;g3913d0c33b8_4_0:notes"/>
           <p:cNvSpPr>
             <a:spLocks noGrp="1" noRot="1" noChangeAspect="1"/>
           </p:cNvSpPr>
@@ -1280,7 +1282,7 @@
       </p:sp>
       <p:sp>
         <p:nvSpPr>
-          <p:cNvPr id="214" name="Google Shape;214;p24:notes"/>
+          <p:cNvPr id="226" name="Google Shape;226;g3913d0c33b8_4_0:notes"/>
           <p:cNvSpPr txBox="1">
             <a:spLocks noGrp="1"/>
           </p:cNvSpPr>
@@ -1337,7 +1339,7 @@
   <p:cSld>
     <p:spTree>
       <p:nvGrpSpPr>
-        <p:cNvPr id="1" name="Shape 222"/>
+        <p:cNvPr id="1" name="Shape 231"/>
         <p:cNvGrpSpPr/>
         <p:nvPr/>
       </p:nvGrpSpPr>
@@ -1351,7 +1353,251 @@
       </p:grpSpPr>
       <p:sp>
         <p:nvSpPr>
-          <p:cNvPr id="223" name="Google Shape;223;p25:notes"/>
+          <p:cNvPr id="232" name="Google Shape;232;p23:notes"/>
+          <p:cNvSpPr>
+            <a:spLocks noGrp="1" noRot="1" noChangeAspect="1"/>
+          </p:cNvSpPr>
+          <p:nvPr>
+            <p:ph type="sldImg" idx="2"/>
+          </p:nvPr>
+        </p:nvSpPr>
+        <p:spPr>
+          <a:xfrm>
+            <a:off x="381000" y="685800"/>
+            <a:ext cx="6096000" cy="3429000"/>
+          </a:xfrm>
+          <a:custGeom>
+            <a:avLst/>
+            <a:gdLst/>
+            <a:ahLst/>
+            <a:cxnLst/>
+            <a:rect l="l" t="t" r="r" b="b"/>
+            <a:pathLst>
+              <a:path w="120000" h="120000" extrusionOk="0">
+                <a:moveTo>
+                  <a:pt x="0" y="0"/>
+                </a:moveTo>
+                <a:lnTo>
+                  <a:pt x="120000" y="0"/>
+                </a:lnTo>
+                <a:lnTo>
+                  <a:pt x="120000" y="120000"/>
+                </a:lnTo>
+                <a:lnTo>
+                  <a:pt x="0" y="120000"/>
+                </a:lnTo>
+                <a:close/>
+              </a:path>
+            </a:pathLst>
+          </a:custGeom>
+          <a:noFill/>
+          <a:ln w="9525" cap="flat" cmpd="sng">
+            <a:solidFill>
+              <a:srgbClr val="000000"/>
+            </a:solidFill>
+            <a:prstDash val="solid"/>
+            <a:round/>
+            <a:headEnd type="none" w="sm" len="sm"/>
+            <a:tailEnd type="none" w="sm" len="sm"/>
+          </a:ln>
+        </p:spPr>
+      </p:sp>
+      <p:sp>
+        <p:nvSpPr>
+          <p:cNvPr id="233" name="Google Shape;233;p23:notes"/>
+          <p:cNvSpPr txBox="1">
+            <a:spLocks noGrp="1"/>
+          </p:cNvSpPr>
+          <p:nvPr>
+            <p:ph type="body" idx="1"/>
+          </p:nvPr>
+        </p:nvSpPr>
+        <p:spPr>
+          <a:xfrm>
+            <a:off x="685800" y="4343400"/>
+            <a:ext cx="5486400" cy="4114800"/>
+          </a:xfrm>
+          <a:prstGeom prst="rect">
+            <a:avLst/>
+          </a:prstGeom>
+          <a:noFill/>
+          <a:ln>
+            <a:noFill/>
+          </a:ln>
+        </p:spPr>
+        <p:txBody>
+          <a:bodyPr spcFirstLastPara="1" wrap="square" lIns="91425" tIns="91425" rIns="91425" bIns="91425" anchor="t" anchorCtr="0">
+            <a:noAutofit/>
+          </a:bodyPr>
+          <a:lstStyle/>
+          <a:p>
+            <a:pPr marL="0" lvl="0" indent="0" algn="l" rtl="0">
+              <a:lnSpc>
+                <a:spcPct val="100000"/>
+              </a:lnSpc>
+              <a:spcBef>
+                <a:spcPts val="0"/>
+              </a:spcBef>
+              <a:spcAft>
+                <a:spcPts val="0"/>
+              </a:spcAft>
+              <a:buSzPts val="1100"/>
+              <a:buNone/>
+            </a:pPr>
+            <a:endParaRPr/>
+          </a:p>
+        </p:txBody>
+      </p:sp>
+    </p:spTree>
+  </p:cSld>
+  <p:clrMapOvr>
+    <a:masterClrMapping/>
+  </p:clrMapOvr>
+</p:notes>
+</file>
+
+<file path=ppt/notesSlides/notesSlide14.xml><?xml version="1.0" encoding="utf-8"?>
+<p:notes xmlns:a="http://schemas.openxmlformats.org/drawingml/2006/main" xmlns:r="http://schemas.openxmlformats.org/officeDocument/2006/relationships" xmlns:p="http://schemas.openxmlformats.org/presentationml/2006/main" showMasterSp="0" showMasterPhAnim="0">
+  <p:cSld>
+    <p:spTree>
+      <p:nvGrpSpPr>
+        <p:cNvPr id="1" name="Shape 241"/>
+        <p:cNvGrpSpPr/>
+        <p:nvPr/>
+      </p:nvGrpSpPr>
+      <p:grpSpPr>
+        <a:xfrm>
+          <a:off x="0" y="0"/>
+          <a:ext cx="0" cy="0"/>
+          <a:chOff x="0" y="0"/>
+          <a:chExt cx="0" cy="0"/>
+        </a:xfrm>
+      </p:grpSpPr>
+      <p:sp>
+        <p:nvSpPr>
+          <p:cNvPr id="242" name="Google Shape;242;p24:notes"/>
+          <p:cNvSpPr>
+            <a:spLocks noGrp="1" noRot="1" noChangeAspect="1"/>
+          </p:cNvSpPr>
+          <p:nvPr>
+            <p:ph type="sldImg" idx="2"/>
+          </p:nvPr>
+        </p:nvSpPr>
+        <p:spPr>
+          <a:xfrm>
+            <a:off x="381000" y="685800"/>
+            <a:ext cx="6096000" cy="3429000"/>
+          </a:xfrm>
+          <a:custGeom>
+            <a:avLst/>
+            <a:gdLst/>
+            <a:ahLst/>
+            <a:cxnLst/>
+            <a:rect l="l" t="t" r="r" b="b"/>
+            <a:pathLst>
+              <a:path w="120000" h="120000" extrusionOk="0">
+                <a:moveTo>
+                  <a:pt x="0" y="0"/>
+                </a:moveTo>
+                <a:lnTo>
+                  <a:pt x="120000" y="0"/>
+                </a:lnTo>
+                <a:lnTo>
+                  <a:pt x="120000" y="120000"/>
+                </a:lnTo>
+                <a:lnTo>
+                  <a:pt x="0" y="120000"/>
+                </a:lnTo>
+                <a:close/>
+              </a:path>
+            </a:pathLst>
+          </a:custGeom>
+          <a:noFill/>
+          <a:ln w="9525" cap="flat" cmpd="sng">
+            <a:solidFill>
+              <a:srgbClr val="000000"/>
+            </a:solidFill>
+            <a:prstDash val="solid"/>
+            <a:round/>
+            <a:headEnd type="none" w="sm" len="sm"/>
+            <a:tailEnd type="none" w="sm" len="sm"/>
+          </a:ln>
+        </p:spPr>
+      </p:sp>
+      <p:sp>
+        <p:nvSpPr>
+          <p:cNvPr id="243" name="Google Shape;243;p24:notes"/>
+          <p:cNvSpPr txBox="1">
+            <a:spLocks noGrp="1"/>
+          </p:cNvSpPr>
+          <p:nvPr>
+            <p:ph type="body" idx="1"/>
+          </p:nvPr>
+        </p:nvSpPr>
+        <p:spPr>
+          <a:xfrm>
+            <a:off x="685800" y="4343400"/>
+            <a:ext cx="5486400" cy="4114800"/>
+          </a:xfrm>
+          <a:prstGeom prst="rect">
+            <a:avLst/>
+          </a:prstGeom>
+          <a:noFill/>
+          <a:ln>
+            <a:noFill/>
+          </a:ln>
+        </p:spPr>
+        <p:txBody>
+          <a:bodyPr spcFirstLastPara="1" wrap="square" lIns="91425" tIns="91425" rIns="91425" bIns="91425" anchor="t" anchorCtr="0">
+            <a:noAutofit/>
+          </a:bodyPr>
+          <a:lstStyle/>
+          <a:p>
+            <a:pPr marL="0" lvl="0" indent="0" algn="l" rtl="0">
+              <a:lnSpc>
+                <a:spcPct val="100000"/>
+              </a:lnSpc>
+              <a:spcBef>
+                <a:spcPts val="0"/>
+              </a:spcBef>
+              <a:spcAft>
+                <a:spcPts val="0"/>
+              </a:spcAft>
+              <a:buSzPts val="1100"/>
+              <a:buNone/>
+            </a:pPr>
+            <a:endParaRPr/>
+          </a:p>
+        </p:txBody>
+      </p:sp>
+    </p:spTree>
+  </p:cSld>
+  <p:clrMapOvr>
+    <a:masterClrMapping/>
+  </p:clrMapOvr>
+</p:notes>
+</file>
+
+<file path=ppt/notesSlides/notesSlide15.xml><?xml version="1.0" encoding="utf-8"?>
+<p:notes xmlns:a="http://schemas.openxmlformats.org/drawingml/2006/main" xmlns:r="http://schemas.openxmlformats.org/officeDocument/2006/relationships" xmlns:p="http://schemas.openxmlformats.org/presentationml/2006/main" showMasterSp="0" showMasterPhAnim="0">
+  <p:cSld>
+    <p:spTree>
+      <p:nvGrpSpPr>
+        <p:cNvPr id="1" name="Shape 251"/>
+        <p:cNvGrpSpPr/>
+        <p:nvPr/>
+      </p:nvGrpSpPr>
+      <p:grpSpPr>
+        <a:xfrm>
+          <a:off x="0" y="0"/>
+          <a:ext cx="0" cy="0"/>
+          <a:chOff x="0" y="0"/>
+          <a:chExt cx="0" cy="0"/>
+        </a:xfrm>
+      </p:grpSpPr>
+      <p:sp>
+        <p:nvSpPr>
+          <p:cNvPr id="252" name="Google Shape;252;p25:notes"/>
           <p:cNvSpPr>
             <a:spLocks noGrp="1" noRot="1" noChangeAspect="1"/>
           </p:cNvSpPr>
@@ -1402,7 +1648,7 @@
       </p:sp>
       <p:sp>
         <p:nvSpPr>
-          <p:cNvPr id="224" name="Google Shape;224;p25:notes"/>
+          <p:cNvPr id="253" name="Google Shape;253;p25:notes"/>
           <p:cNvSpPr txBox="1">
             <a:spLocks noGrp="1"/>
           </p:cNvSpPr>
@@ -1703,7 +1949,7 @@
   <p:cSld>
     <p:spTree>
       <p:nvGrpSpPr>
-        <p:cNvPr id="1" name="Shape 152"/>
+        <p:cNvPr id="1" name="Shape 155"/>
         <p:cNvGrpSpPr/>
         <p:nvPr/>
       </p:nvGrpSpPr>
@@ -1717,7 +1963,7 @@
       </p:grpSpPr>
       <p:sp>
         <p:nvSpPr>
-          <p:cNvPr id="153" name="Google Shape;153;g3913d0c33b8_0_0:notes"/>
+          <p:cNvPr id="156" name="Google Shape;156;g3913d0c33b8_0_0:notes"/>
           <p:cNvSpPr>
             <a:spLocks noGrp="1" noRot="1" noChangeAspect="1"/>
           </p:cNvSpPr>
@@ -1768,7 +2014,7 @@
       </p:sp>
       <p:sp>
         <p:nvSpPr>
-          <p:cNvPr id="154" name="Google Shape;154;g3913d0c33b8_0_0:notes"/>
+          <p:cNvPr id="157" name="Google Shape;157;g3913d0c33b8_0_0:notes"/>
           <p:cNvSpPr txBox="1">
             <a:spLocks noGrp="1"/>
           </p:cNvSpPr>
@@ -1825,7 +2071,7 @@
   <p:cSld>
     <p:spTree>
       <p:nvGrpSpPr>
-        <p:cNvPr id="1" name="Shape 159"/>
+        <p:cNvPr id="1" name="Shape 164"/>
         <p:cNvGrpSpPr/>
         <p:nvPr/>
       </p:nvGrpSpPr>
@@ -1839,7 +2085,7 @@
       </p:grpSpPr>
       <p:sp>
         <p:nvSpPr>
-          <p:cNvPr id="160" name="Google Shape;160;g3ab6c7aaab3_0_8:notes"/>
+          <p:cNvPr id="165" name="Google Shape;165;g3ab6c7aaab3_0_8:notes"/>
           <p:cNvSpPr>
             <a:spLocks noGrp="1" noRot="1" noChangeAspect="1"/>
           </p:cNvSpPr>
@@ -1890,7 +2136,7 @@
       </p:sp>
       <p:sp>
         <p:nvSpPr>
-          <p:cNvPr id="161" name="Google Shape;161;g3ab6c7aaab3_0_8:notes"/>
+          <p:cNvPr id="166" name="Google Shape;166;g3ab6c7aaab3_0_8:notes"/>
           <p:cNvSpPr txBox="1">
             <a:spLocks noGrp="1"/>
           </p:cNvSpPr>
@@ -1947,7 +2193,7 @@
   <p:cSld>
     <p:spTree>
       <p:nvGrpSpPr>
-        <p:cNvPr id="1" name="Shape 165"/>
+        <p:cNvPr id="1" name="Shape 170"/>
         <p:cNvGrpSpPr/>
         <p:nvPr/>
       </p:nvGrpSpPr>
@@ -1961,7 +2207,7 @@
       </p:grpSpPr>
       <p:sp>
         <p:nvSpPr>
-          <p:cNvPr id="166" name="Google Shape;166;g3912f177cd1_0_2:notes"/>
+          <p:cNvPr id="171" name="Google Shape;171;g3912f177cd1_0_2:notes"/>
           <p:cNvSpPr>
             <a:spLocks noGrp="1" noRot="1" noChangeAspect="1"/>
           </p:cNvSpPr>
@@ -2012,7 +2258,7 @@
       </p:sp>
       <p:sp>
         <p:nvSpPr>
-          <p:cNvPr id="167" name="Google Shape;167;g3912f177cd1_0_2:notes"/>
+          <p:cNvPr id="172" name="Google Shape;172;g3912f177cd1_0_2:notes"/>
           <p:cNvSpPr txBox="1">
             <a:spLocks noGrp="1"/>
           </p:cNvSpPr>
@@ -2069,7 +2315,7 @@
   <p:cSld>
     <p:spTree>
       <p:nvGrpSpPr>
-        <p:cNvPr id="1" name="Shape 172"/>
+        <p:cNvPr id="1" name="Shape 180"/>
         <p:cNvGrpSpPr/>
         <p:nvPr/>
       </p:nvGrpSpPr>
@@ -2083,7 +2329,7 @@
       </p:grpSpPr>
       <p:sp>
         <p:nvSpPr>
-          <p:cNvPr id="173" name="Google Shape;173;g3912f177cd1_0_10:notes"/>
+          <p:cNvPr id="181" name="Google Shape;181;g3912f177cd1_0_10:notes"/>
           <p:cNvSpPr>
             <a:spLocks noGrp="1" noRot="1" noChangeAspect="1"/>
           </p:cNvSpPr>
@@ -2134,7 +2380,7 @@
       </p:sp>
       <p:sp>
         <p:nvSpPr>
-          <p:cNvPr id="174" name="Google Shape;174;g3912f177cd1_0_10:notes"/>
+          <p:cNvPr id="182" name="Google Shape;182;g3912f177cd1_0_10:notes"/>
           <p:cNvSpPr txBox="1">
             <a:spLocks noGrp="1"/>
           </p:cNvSpPr>
@@ -2191,7 +2437,7 @@
   <p:cSld>
     <p:spTree>
       <p:nvGrpSpPr>
-        <p:cNvPr id="1" name="Shape 179"/>
+        <p:cNvPr id="1" name="Shape 189"/>
         <p:cNvGrpSpPr/>
         <p:nvPr/>
       </p:nvGrpSpPr>
@@ -2205,7 +2451,7 @@
       </p:grpSpPr>
       <p:sp>
         <p:nvSpPr>
-          <p:cNvPr id="180" name="Google Shape;180;g3ac7e23156a_0_2:notes"/>
+          <p:cNvPr id="190" name="Google Shape;190;g3ac7e23156a_0_2:notes"/>
           <p:cNvSpPr>
             <a:spLocks noGrp="1" noRot="1" noChangeAspect="1"/>
           </p:cNvSpPr>
@@ -2256,7 +2502,7 @@
       </p:sp>
       <p:sp>
         <p:nvSpPr>
-          <p:cNvPr id="181" name="Google Shape;181;g3ac7e23156a_0_2:notes"/>
+          <p:cNvPr id="191" name="Google Shape;191;g3ac7e23156a_0_2:notes"/>
           <p:cNvSpPr txBox="1">
             <a:spLocks noGrp="1"/>
           </p:cNvSpPr>
@@ -2313,7 +2559,7 @@
   <p:cSld>
     <p:spTree>
       <p:nvGrpSpPr>
-        <p:cNvPr id="1" name="Shape 188"/>
+        <p:cNvPr id="1" name="Shape 198"/>
         <p:cNvGrpSpPr/>
         <p:nvPr/>
       </p:nvGrpSpPr>
@@ -2327,7 +2573,7 @@
       </p:grpSpPr>
       <p:sp>
         <p:nvSpPr>
-          <p:cNvPr id="189" name="Google Shape;189;g3913ae0aaf8_0_0:notes"/>
+          <p:cNvPr id="199" name="Google Shape;199;g3913ae0aaf8_0_0:notes"/>
           <p:cNvSpPr>
             <a:spLocks noGrp="1" noRot="1" noChangeAspect="1"/>
           </p:cNvSpPr>
@@ -2378,7 +2624,7 @@
       </p:sp>
       <p:sp>
         <p:nvSpPr>
-          <p:cNvPr id="190" name="Google Shape;190;g3913ae0aaf8_0_0:notes"/>
+          <p:cNvPr id="200" name="Google Shape;200;g3913ae0aaf8_0_0:notes"/>
           <p:cNvSpPr txBox="1">
             <a:spLocks noGrp="1"/>
           </p:cNvSpPr>
@@ -12290,7 +12536,7 @@
         <p:spPr>
           <a:xfrm>
             <a:off x="78651" y="2064291"/>
-            <a:ext cx="4420200" cy="2235000"/>
+            <a:ext cx="4420200" cy="2973900"/>
           </a:xfrm>
           <a:prstGeom prst="rect">
             <a:avLst/>
@@ -12662,6 +12908,148 @@
                 <a:sym typeface="Calibri"/>
               </a:rPr>
               <a:t>OpenAI Code Red</a:t>
+            </a:r>
+            <a:endParaRPr sz="1600" b="1">
+              <a:solidFill>
+                <a:srgbClr val="3C78D8"/>
+              </a:solidFill>
+              <a:latin typeface="Calibri"/>
+              <a:ea typeface="Calibri"/>
+              <a:cs typeface="Calibri"/>
+              <a:sym typeface="Calibri"/>
+            </a:endParaRPr>
+          </a:p>
+          <a:p>
+            <a:pPr marL="228600" marR="0" lvl="0" indent="-215900" algn="l" rtl="0">
+              <a:lnSpc>
+                <a:spcPct val="100000"/>
+              </a:lnSpc>
+              <a:spcBef>
+                <a:spcPts val="0"/>
+              </a:spcBef>
+              <a:spcAft>
+                <a:spcPts val="0"/>
+              </a:spcAft>
+              <a:buClr>
+                <a:srgbClr val="3C78D8"/>
+              </a:buClr>
+              <a:buSzPts val="1600"/>
+              <a:buFont typeface="Calibri"/>
+              <a:buChar char="●"/>
+            </a:pPr>
+            <a:r>
+              <a:rPr lang="en" sz="1600" b="1">
+                <a:solidFill>
+                  <a:srgbClr val="3C78D8"/>
+                </a:solidFill>
+                <a:latin typeface="Calibri"/>
+                <a:ea typeface="Calibri"/>
+                <a:cs typeface="Calibri"/>
+                <a:sym typeface="Calibri"/>
+              </a:rPr>
+              <a:t>Anthropic acquires Bun to run Claude Code</a:t>
+            </a:r>
+            <a:endParaRPr sz="1600" b="1">
+              <a:solidFill>
+                <a:srgbClr val="3C78D8"/>
+              </a:solidFill>
+              <a:latin typeface="Calibri"/>
+              <a:ea typeface="Calibri"/>
+              <a:cs typeface="Calibri"/>
+              <a:sym typeface="Calibri"/>
+            </a:endParaRPr>
+          </a:p>
+          <a:p>
+            <a:pPr marL="228600" marR="0" lvl="0" indent="-215900" algn="l" rtl="0">
+              <a:lnSpc>
+                <a:spcPct val="100000"/>
+              </a:lnSpc>
+              <a:spcBef>
+                <a:spcPts val="0"/>
+              </a:spcBef>
+              <a:spcAft>
+                <a:spcPts val="0"/>
+              </a:spcAft>
+              <a:buClr>
+                <a:srgbClr val="3C78D8"/>
+              </a:buClr>
+              <a:buSzPts val="1600"/>
+              <a:buFont typeface="Calibri"/>
+              <a:buChar char="●"/>
+            </a:pPr>
+            <a:r>
+              <a:rPr lang="en" sz="1600" b="1">
+                <a:solidFill>
+                  <a:srgbClr val="3C78D8"/>
+                </a:solidFill>
+                <a:uFill>
+                  <a:noFill/>
+                </a:uFill>
+                <a:latin typeface="Calibri"/>
+                <a:ea typeface="Calibri"/>
+                <a:cs typeface="Calibri"/>
+                <a:sym typeface="Calibri"/>
+                <a:hlinkClick r:id="rId3">
+                  <a:extLst>
+                    <a:ext uri="{A12FA001-AC4F-418D-AE19-62706E023703}">
+                      <ahyp:hlinkClr xmlns:ahyp="http://schemas.microsoft.com/office/drawing/2018/hyperlinkcolor" val="tx"/>
+                    </a:ext>
+                  </a:extLst>
+                </a:hlinkClick>
+              </a:rPr>
+              <a:t>Abacus.ai</a:t>
+            </a:r>
+            <a:r>
+              <a:rPr lang="en" sz="1600" b="1">
+                <a:solidFill>
+                  <a:srgbClr val="3C78D8"/>
+                </a:solidFill>
+                <a:latin typeface="Calibri"/>
+                <a:ea typeface="Calibri"/>
+                <a:cs typeface="Calibri"/>
+                <a:sym typeface="Calibri"/>
+              </a:rPr>
+              <a:t> DeepAgent - Financial Research</a:t>
+            </a:r>
+            <a:endParaRPr sz="1600" b="1">
+              <a:solidFill>
+                <a:srgbClr val="3C78D8"/>
+              </a:solidFill>
+              <a:latin typeface="Calibri"/>
+              <a:ea typeface="Calibri"/>
+              <a:cs typeface="Calibri"/>
+              <a:sym typeface="Calibri"/>
+            </a:endParaRPr>
+          </a:p>
+          <a:p>
+            <a:pPr marL="228600" marR="0" lvl="0" indent="-215900" algn="l" rtl="0">
+              <a:lnSpc>
+                <a:spcPct val="100000"/>
+              </a:lnSpc>
+              <a:spcBef>
+                <a:spcPts val="0"/>
+              </a:spcBef>
+              <a:spcAft>
+                <a:spcPts val="0"/>
+              </a:spcAft>
+              <a:buClr>
+                <a:srgbClr val="3C78D8"/>
+              </a:buClr>
+              <a:buSzPts val="1600"/>
+              <a:buFont typeface="Calibri"/>
+              <a:buChar char="●"/>
+            </a:pPr>
+            <a:r>
+              <a:rPr lang="en" sz="1600" b="1">
+                <a:solidFill>
+                  <a:srgbClr val="3C78D8"/>
+                </a:solidFill>
+                <a:latin typeface="Calibri"/>
+                <a:ea typeface="Calibri"/>
+                <a:cs typeface="Calibri"/>
+                <a:sym typeface="Calibri"/>
+              </a:rPr>
+              <a:t>Use AI to Generate Documentation</a:t>
             </a:r>
             <a:endParaRPr sz="1600" b="1">
               <a:solidFill>
@@ -12823,7 +13211,7 @@
   <p:cSld>
     <p:spTree>
       <p:nvGrpSpPr>
-        <p:cNvPr id="1" name="Shape 198"/>
+        <p:cNvPr id="1" name="Shape 210"/>
         <p:cNvGrpSpPr/>
         <p:nvPr/>
       </p:nvGrpSpPr>
@@ -12837,7 +13225,7 @@
       </p:grpSpPr>
       <p:sp>
         <p:nvSpPr>
-          <p:cNvPr id="199" name="Google Shape;199;p24"/>
+          <p:cNvPr id="211" name="Google Shape;211;p24"/>
           <p:cNvSpPr txBox="1"/>
           <p:nvPr/>
         </p:nvSpPr>
@@ -12903,14 +13291,14 @@
       </p:sp>
       <p:sp>
         <p:nvSpPr>
-          <p:cNvPr id="200" name="Google Shape;200;p24"/>
+          <p:cNvPr id="212" name="Google Shape;212;p24"/>
           <p:cNvSpPr txBox="1"/>
           <p:nvPr/>
         </p:nvSpPr>
         <p:spPr>
           <a:xfrm>
-            <a:off x="55075" y="415065"/>
-            <a:ext cx="4444500" cy="2050200"/>
+            <a:off x="55075" y="415075"/>
+            <a:ext cx="4622100" cy="2050200"/>
           </a:xfrm>
           <a:prstGeom prst="rect">
             <a:avLst/>
@@ -13194,14 +13582,14 @@
       </p:sp>
       <p:sp>
         <p:nvSpPr>
-          <p:cNvPr id="201" name="Google Shape;201;p24"/>
+          <p:cNvPr id="213" name="Google Shape;213;p24"/>
           <p:cNvSpPr txBox="1"/>
           <p:nvPr/>
         </p:nvSpPr>
         <p:spPr>
           <a:xfrm>
-            <a:off x="4633600" y="2686665"/>
-            <a:ext cx="4444500" cy="187800"/>
+            <a:off x="55075" y="2533575"/>
+            <a:ext cx="4622100" cy="1881000"/>
           </a:xfrm>
           <a:prstGeom prst="rect">
             <a:avLst/>
@@ -13235,6 +13623,46 @@
               <a:spcAft>
                 <a:spcPts val="0"/>
               </a:spcAft>
+              <a:buClr>
+                <a:srgbClr val="FF0000"/>
+              </a:buClr>
+              <a:buSzPts val="1100"/>
+              <a:buFont typeface="Calibri"/>
+              <a:buChar char="●"/>
+            </a:pPr>
+            <a:r>
+              <a:rPr lang="en" sz="1100" b="1">
+                <a:solidFill>
+                  <a:srgbClr val="FF0000"/>
+                </a:solidFill>
+                <a:latin typeface="Calibri"/>
+                <a:ea typeface="Calibri"/>
+                <a:cs typeface="Calibri"/>
+                <a:sym typeface="Calibri"/>
+              </a:rPr>
+              <a:t>Anthropic acquires Bun</a:t>
+            </a:r>
+            <a:endParaRPr sz="1100" b="1">
+              <a:solidFill>
+                <a:srgbClr val="FF0000"/>
+              </a:solidFill>
+              <a:latin typeface="Calibri"/>
+              <a:ea typeface="Calibri"/>
+              <a:cs typeface="Calibri"/>
+              <a:sym typeface="Calibri"/>
+            </a:endParaRPr>
+          </a:p>
+          <a:p>
+            <a:pPr marL="171450" marR="0" lvl="0" indent="-127000" algn="l" rtl="0">
+              <a:lnSpc>
+                <a:spcPct val="100000"/>
+              </a:lnSpc>
+              <a:spcBef>
+                <a:spcPts val="0"/>
+              </a:spcBef>
+              <a:spcAft>
+                <a:spcPts val="0"/>
+              </a:spcAft>
               <a:buSzPts val="1100"/>
               <a:buFont typeface="Calibri"/>
               <a:buChar char="●"/>
@@ -13246,7 +13674,139 @@
                 <a:cs typeface="Calibri"/>
                 <a:sym typeface="Calibri"/>
               </a:rPr>
-              <a:t>xxx</a:t>
+              <a:t>Bun is a high-performance JavaScript runtime (by Jarred Sumner, 2021)</a:t>
+            </a:r>
+            <a:br>
+              <a:rPr lang="en" sz="1100">
+                <a:latin typeface="Calibri"/>
+                <a:ea typeface="Calibri"/>
+                <a:cs typeface="Calibri"/>
+                <a:sym typeface="Calibri"/>
+              </a:rPr>
+            </a:br>
+            <a:r>
+              <a:rPr lang="en" sz="1100">
+                <a:latin typeface="Calibri"/>
+                <a:ea typeface="Calibri"/>
+                <a:cs typeface="Calibri"/>
+                <a:sym typeface="Calibri"/>
+              </a:rPr>
+              <a:t>Bun's all-in-one toolkit—combining runtime, package manager, bundler, and test runner—delivers significantly faster performance than Node.js and has over 7 million monthly downloads and 82,000 GitHub stars. </a:t>
+            </a:r>
+            <a:endParaRPr sz="1100">
+              <a:latin typeface="Calibri"/>
+              <a:ea typeface="Calibri"/>
+              <a:cs typeface="Calibri"/>
+              <a:sym typeface="Calibri"/>
+            </a:endParaRPr>
+          </a:p>
+          <a:p>
+            <a:pPr marL="171450" marR="0" lvl="0" indent="-127000" algn="l" rtl="0">
+              <a:lnSpc>
+                <a:spcPct val="100000"/>
+              </a:lnSpc>
+              <a:spcBef>
+                <a:spcPts val="0"/>
+              </a:spcBef>
+              <a:spcAft>
+                <a:spcPts val="0"/>
+              </a:spcAft>
+              <a:buSzPts val="1100"/>
+              <a:buFont typeface="Calibri"/>
+              <a:buChar char="●"/>
+            </a:pPr>
+            <a:r>
+              <a:rPr lang="en" sz="1100">
+                <a:latin typeface="Calibri"/>
+                <a:ea typeface="Calibri"/>
+                <a:cs typeface="Calibri"/>
+                <a:sym typeface="Calibri"/>
+              </a:rPr>
+              <a:t>Claude Code reached $1 Bln in run-rate revenue just six months after its May 2025 public launch; Major clients including Netflix, Spotify, KPMG, and L'Oreal</a:t>
+            </a:r>
+            <a:endParaRPr sz="1100">
+              <a:latin typeface="Calibri"/>
+              <a:ea typeface="Calibri"/>
+              <a:cs typeface="Calibri"/>
+              <a:sym typeface="Calibri"/>
+            </a:endParaRPr>
+          </a:p>
+          <a:p>
+            <a:pPr marL="171450" marR="0" lvl="0" indent="-127000" algn="l" rtl="0">
+              <a:lnSpc>
+                <a:spcPct val="100000"/>
+              </a:lnSpc>
+              <a:spcBef>
+                <a:spcPts val="0"/>
+              </a:spcBef>
+              <a:spcAft>
+                <a:spcPts val="0"/>
+              </a:spcAft>
+              <a:buClr>
+                <a:srgbClr val="3C78D8"/>
+              </a:buClr>
+              <a:buSzPts val="1100"/>
+              <a:buFont typeface="Calibri"/>
+              <a:buChar char="●"/>
+            </a:pPr>
+            <a:r>
+              <a:rPr lang="en" sz="1100" b="1">
+                <a:solidFill>
+                  <a:srgbClr val="3C78D8"/>
+                </a:solidFill>
+                <a:latin typeface="Calibri"/>
+                <a:ea typeface="Calibri"/>
+                <a:cs typeface="Calibri"/>
+                <a:sym typeface="Calibri"/>
+              </a:rPr>
+              <a:t>The acquisition will enhance Claude Code's speed and stability while Bun remains open source under MIT license.</a:t>
+            </a:r>
+            <a:endParaRPr sz="1100" b="1">
+              <a:solidFill>
+                <a:srgbClr val="3C78D8"/>
+              </a:solidFill>
+              <a:latin typeface="Calibri"/>
+              <a:ea typeface="Calibri"/>
+              <a:cs typeface="Calibri"/>
+              <a:sym typeface="Calibri"/>
+            </a:endParaRPr>
+          </a:p>
+          <a:p>
+            <a:pPr marL="171450" marR="0" lvl="0" indent="-127000" algn="l" rtl="0">
+              <a:lnSpc>
+                <a:spcPct val="100000"/>
+              </a:lnSpc>
+              <a:spcBef>
+                <a:spcPts val="0"/>
+              </a:spcBef>
+              <a:spcAft>
+                <a:spcPts val="0"/>
+              </a:spcAft>
+              <a:buSzPts val="1100"/>
+              <a:buFont typeface="Calibri"/>
+              <a:buChar char="●"/>
+            </a:pPr>
+            <a:r>
+              <a:rPr lang="en" sz="1100" u="sng">
+                <a:solidFill>
+                  <a:schemeClr val="hlink"/>
+                </a:solidFill>
+                <a:latin typeface="Calibri"/>
+                <a:ea typeface="Calibri"/>
+                <a:cs typeface="Calibri"/>
+                <a:sym typeface="Calibri"/>
+                <a:hlinkClick r:id="rId4"/>
+              </a:rPr>
+              <a:t>https://www.anthropic.com/news/anthropic-acquires-bun-as-claude-code-reaches-usd1b-milestone</a:t>
+            </a:r>
+            <a:r>
+              <a:rPr lang="en" sz="1100">
+                <a:latin typeface="Calibri"/>
+                <a:ea typeface="Calibri"/>
+                <a:cs typeface="Calibri"/>
+                <a:sym typeface="Calibri"/>
+              </a:rPr>
+              <a:t> </a:t>
             </a:r>
             <a:endParaRPr sz="1100">
               <a:latin typeface="Calibri"/>
@@ -13257,6 +13817,84 @@
           </a:p>
         </p:txBody>
       </p:sp>
+      <p:pic>
+        <p:nvPicPr>
+          <p:cNvPr id="214" name="Google Shape;214;p24"/>
+          <p:cNvPicPr preferRelativeResize="0"/>
+          <p:nvPr/>
+        </p:nvPicPr>
+        <p:blipFill>
+          <a:blip r:embed="rId5" cstate="email">
+            <a:alphaModFix/>
+            <a:extLst>
+              <a:ext uri="{28A0092B-C50C-407E-A947-70E740481C1C}">
+                <a14:useLocalDpi xmlns:a14="http://schemas.microsoft.com/office/drawing/2010/main"/>
+              </a:ext>
+            </a:extLst>
+          </a:blip>
+          <a:stretch>
+            <a:fillRect/>
+          </a:stretch>
+        </p:blipFill>
+        <p:spPr>
+          <a:xfrm>
+            <a:off x="5124100" y="569138"/>
+            <a:ext cx="1392325" cy="1742075"/>
+          </a:xfrm>
+          <a:prstGeom prst="rect">
+            <a:avLst/>
+          </a:prstGeom>
+          <a:noFill/>
+          <a:ln w="9525" cap="flat" cmpd="sng">
+            <a:solidFill>
+              <a:srgbClr val="FF0000"/>
+            </a:solidFill>
+            <a:prstDash val="solid"/>
+            <a:round/>
+            <a:headEnd type="none" w="sm" len="sm"/>
+            <a:tailEnd type="none" w="sm" len="sm"/>
+          </a:ln>
+        </p:spPr>
+      </p:pic>
+      <p:pic>
+        <p:nvPicPr>
+          <p:cNvPr id="215" name="Google Shape;215;p24"/>
+          <p:cNvPicPr preferRelativeResize="0"/>
+          <p:nvPr/>
+        </p:nvPicPr>
+        <p:blipFill>
+          <a:blip r:embed="rId6" cstate="email">
+            <a:alphaModFix/>
+            <a:extLst>
+              <a:ext uri="{28A0092B-C50C-407E-A947-70E740481C1C}">
+                <a14:useLocalDpi xmlns:a14="http://schemas.microsoft.com/office/drawing/2010/main"/>
+              </a:ext>
+            </a:extLst>
+          </a:blip>
+          <a:stretch>
+            <a:fillRect/>
+          </a:stretch>
+        </p:blipFill>
+        <p:spPr>
+          <a:xfrm>
+            <a:off x="4857525" y="2982400"/>
+            <a:ext cx="2798825" cy="755400"/>
+          </a:xfrm>
+          <a:prstGeom prst="rect">
+            <a:avLst/>
+          </a:prstGeom>
+          <a:noFill/>
+          <a:ln w="9525" cap="flat" cmpd="sng">
+            <a:solidFill>
+              <a:srgbClr val="FF0000"/>
+            </a:solidFill>
+            <a:prstDash val="solid"/>
+            <a:round/>
+            <a:headEnd type="none" w="sm" len="sm"/>
+            <a:tailEnd type="none" w="sm" len="sm"/>
+          </a:ln>
+        </p:spPr>
+      </p:pic>
     </p:spTree>
   </p:cSld>
   <p:clrMapOvr>
@@ -13270,7 +13908,7 @@
   <p:cSld>
     <p:spTree>
       <p:nvGrpSpPr>
-        <p:cNvPr id="1" name="Shape 205"/>
+        <p:cNvPr id="1" name="Shape 219"/>
         <p:cNvGrpSpPr/>
         <p:nvPr/>
       </p:nvGrpSpPr>
@@ -13284,7 +13922,1494 @@
       </p:grpSpPr>
       <p:sp>
         <p:nvSpPr>
-          <p:cNvPr id="206" name="Google Shape;206;p25"/>
+          <p:cNvPr id="220" name="Google Shape;220;p25"/>
+          <p:cNvSpPr txBox="1"/>
+          <p:nvPr/>
+        </p:nvSpPr>
+        <p:spPr>
+          <a:xfrm>
+            <a:off x="55075" y="20375"/>
+            <a:ext cx="4505400" cy="326400"/>
+          </a:xfrm>
+          <a:prstGeom prst="rect">
+            <a:avLst/>
+          </a:prstGeom>
+          <a:noFill/>
+          <a:ln>
+            <a:noFill/>
+          </a:ln>
+        </p:spPr>
+        <p:txBody>
+          <a:bodyPr spcFirstLastPara="1" wrap="square" lIns="9125" tIns="9125" rIns="9125" bIns="9125" anchor="t" anchorCtr="0">
+            <a:spAutoFit/>
+          </a:bodyPr>
+          <a:lstStyle/>
+          <a:p>
+            <a:pPr marL="0" marR="0" lvl="0" indent="0" algn="l" rtl="0">
+              <a:lnSpc>
+                <a:spcPct val="100000"/>
+              </a:lnSpc>
+              <a:spcBef>
+                <a:spcPts val="0"/>
+              </a:spcBef>
+              <a:spcAft>
+                <a:spcPts val="0"/>
+              </a:spcAft>
+              <a:buClr>
+                <a:schemeClr val="dk1"/>
+              </a:buClr>
+              <a:buSzPts val="1100"/>
+              <a:buFont typeface="Arial"/>
+              <a:buNone/>
+            </a:pPr>
+            <a:r>
+              <a:rPr lang="en" sz="2000" b="1">
+                <a:solidFill>
+                  <a:schemeClr val="dk1"/>
+                </a:solidFill>
+                <a:uFill>
+                  <a:noFill/>
+                </a:uFill>
+                <a:latin typeface="Calibri"/>
+                <a:ea typeface="Calibri"/>
+                <a:cs typeface="Calibri"/>
+                <a:sym typeface="Calibri"/>
+                <a:hlinkClick r:id="rId3">
+                  <a:extLst>
+                    <a:ext uri="{A12FA001-AC4F-418D-AE19-62706E023703}">
+                      <ahyp:hlinkClr xmlns:ahyp="http://schemas.microsoft.com/office/drawing/2018/hyperlinkcolor" val="tx"/>
+                    </a:ext>
+                  </a:extLst>
+                </a:hlinkClick>
+              </a:rPr>
+              <a:t>Abacus.ai</a:t>
+            </a:r>
+            <a:r>
+              <a:rPr lang="en" sz="2000" b="1">
+                <a:solidFill>
+                  <a:schemeClr val="dk1"/>
+                </a:solidFill>
+                <a:latin typeface="Calibri"/>
+                <a:ea typeface="Calibri"/>
+                <a:cs typeface="Calibri"/>
+                <a:sym typeface="Calibri"/>
+              </a:rPr>
+              <a:t> Financial Research</a:t>
+            </a:r>
+            <a:endParaRPr sz="2000" b="1">
+              <a:solidFill>
+                <a:schemeClr val="dk1"/>
+              </a:solidFill>
+              <a:latin typeface="Calibri"/>
+              <a:ea typeface="Calibri"/>
+              <a:cs typeface="Calibri"/>
+              <a:sym typeface="Calibri"/>
+            </a:endParaRPr>
+          </a:p>
+        </p:txBody>
+      </p:sp>
+      <p:sp>
+        <p:nvSpPr>
+          <p:cNvPr id="221" name="Google Shape;221;p25"/>
+          <p:cNvSpPr txBox="1"/>
+          <p:nvPr/>
+        </p:nvSpPr>
+        <p:spPr>
+          <a:xfrm>
+            <a:off x="55075" y="415075"/>
+            <a:ext cx="3602400" cy="3912600"/>
+          </a:xfrm>
+          <a:prstGeom prst="rect">
+            <a:avLst/>
+          </a:prstGeom>
+          <a:solidFill>
+            <a:srgbClr val="FFF2CC"/>
+          </a:solidFill>
+          <a:ln w="9525" cap="flat" cmpd="sng">
+            <a:solidFill>
+              <a:srgbClr val="FF0000"/>
+            </a:solidFill>
+            <a:prstDash val="solid"/>
+            <a:round/>
+            <a:headEnd type="none" w="sm" len="sm"/>
+            <a:tailEnd type="none" w="sm" len="sm"/>
+          </a:ln>
+        </p:spPr>
+        <p:txBody>
+          <a:bodyPr spcFirstLastPara="1" wrap="square" lIns="9125" tIns="9125" rIns="9125" bIns="9125" anchor="t" anchorCtr="0">
+            <a:spAutoFit/>
+          </a:bodyPr>
+          <a:lstStyle/>
+          <a:p>
+            <a:pPr marL="171450" marR="0" lvl="0" indent="-127000" algn="l" rtl="0">
+              <a:lnSpc>
+                <a:spcPct val="100000"/>
+              </a:lnSpc>
+              <a:spcBef>
+                <a:spcPts val="0"/>
+              </a:spcBef>
+              <a:spcAft>
+                <a:spcPts val="0"/>
+              </a:spcAft>
+              <a:buClr>
+                <a:srgbClr val="FF0000"/>
+              </a:buClr>
+              <a:buSzPts val="1100"/>
+              <a:buFont typeface="Calibri"/>
+              <a:buChar char="●"/>
+            </a:pPr>
+            <a:r>
+              <a:rPr lang="en" sz="1100" b="1">
+                <a:solidFill>
+                  <a:srgbClr val="FF0000"/>
+                </a:solidFill>
+                <a:latin typeface="Calibri"/>
+                <a:ea typeface="Calibri"/>
+                <a:cs typeface="Calibri"/>
+                <a:sym typeface="Calibri"/>
+              </a:rPr>
+              <a:t>DeepAgent by Abacus.ai - a finance-focused AI system</a:t>
+            </a:r>
+            <a:endParaRPr sz="1100" b="1">
+              <a:solidFill>
+                <a:srgbClr val="FF0000"/>
+              </a:solidFill>
+              <a:latin typeface="Calibri"/>
+              <a:ea typeface="Calibri"/>
+              <a:cs typeface="Calibri"/>
+              <a:sym typeface="Calibri"/>
+            </a:endParaRPr>
+          </a:p>
+          <a:p>
+            <a:pPr marL="171450" marR="0" lvl="0" indent="-127000" algn="l" rtl="0">
+              <a:lnSpc>
+                <a:spcPct val="100000"/>
+              </a:lnSpc>
+              <a:spcBef>
+                <a:spcPts val="0"/>
+              </a:spcBef>
+              <a:spcAft>
+                <a:spcPts val="0"/>
+              </a:spcAft>
+              <a:buClr>
+                <a:schemeClr val="dk1"/>
+              </a:buClr>
+              <a:buSzPts val="1100"/>
+              <a:buFont typeface="Calibri"/>
+              <a:buChar char="●"/>
+            </a:pPr>
+            <a:r>
+              <a:rPr lang="en" sz="1100">
+                <a:latin typeface="Calibri"/>
+                <a:ea typeface="Calibri"/>
+                <a:cs typeface="Calibri"/>
+                <a:sym typeface="Calibri"/>
+              </a:rPr>
+              <a:t>Seven integrated workflows that function like a complete analyst team:</a:t>
+            </a:r>
+            <a:br>
+              <a:rPr lang="en" sz="1100">
+                <a:latin typeface="Calibri"/>
+                <a:ea typeface="Calibri"/>
+                <a:cs typeface="Calibri"/>
+                <a:sym typeface="Calibri"/>
+              </a:rPr>
+            </a:br>
+            <a:r>
+              <a:rPr lang="en" sz="1100">
+                <a:latin typeface="Calibri"/>
+                <a:ea typeface="Calibri"/>
+                <a:cs typeface="Calibri"/>
+                <a:sym typeface="Calibri"/>
+              </a:rPr>
+              <a:t>1. crypto analysis</a:t>
+            </a:r>
+            <a:br>
+              <a:rPr lang="en" sz="1100">
+                <a:latin typeface="Calibri"/>
+                <a:ea typeface="Calibri"/>
+                <a:cs typeface="Calibri"/>
+                <a:sym typeface="Calibri"/>
+              </a:rPr>
+            </a:br>
+            <a:r>
+              <a:rPr lang="en" sz="1100">
+                <a:latin typeface="Calibri"/>
+                <a:ea typeface="Calibri"/>
+                <a:cs typeface="Calibri"/>
+                <a:sym typeface="Calibri"/>
+              </a:rPr>
+              <a:t>2. intelligent stock screening (fundamentals &amp; technicals)</a:t>
+            </a:r>
+            <a:br>
+              <a:rPr lang="en" sz="1100">
+                <a:latin typeface="Calibri"/>
+                <a:ea typeface="Calibri"/>
+                <a:cs typeface="Calibri"/>
+                <a:sym typeface="Calibri"/>
+              </a:rPr>
+            </a:br>
+            <a:r>
+              <a:rPr lang="en" sz="1100">
+                <a:latin typeface="Calibri"/>
+                <a:ea typeface="Calibri"/>
+                <a:cs typeface="Calibri"/>
+                <a:sym typeface="Calibri"/>
+              </a:rPr>
+              <a:t>3. macro market research</a:t>
+            </a:r>
+            <a:br>
+              <a:rPr lang="en" sz="1100">
+                <a:latin typeface="Calibri"/>
+                <a:ea typeface="Calibri"/>
+                <a:cs typeface="Calibri"/>
+                <a:sym typeface="Calibri"/>
+              </a:rPr>
+            </a:br>
+            <a:r>
+              <a:rPr lang="en" sz="1100">
+                <a:latin typeface="Calibri"/>
+                <a:ea typeface="Calibri"/>
+                <a:cs typeface="Calibri"/>
+                <a:sym typeface="Calibri"/>
+              </a:rPr>
+              <a:t>4. near-term investment forecasting</a:t>
+            </a:r>
+            <a:br>
+              <a:rPr lang="en" sz="1100">
+                <a:latin typeface="Calibri"/>
+                <a:ea typeface="Calibri"/>
+                <a:cs typeface="Calibri"/>
+                <a:sym typeface="Calibri"/>
+              </a:rPr>
+            </a:br>
+            <a:r>
+              <a:rPr lang="en" sz="1100">
+                <a:latin typeface="Calibri"/>
+                <a:ea typeface="Calibri"/>
+                <a:cs typeface="Calibri"/>
+                <a:sym typeface="Calibri"/>
+              </a:rPr>
+              <a:t>5. options strategy construction</a:t>
+            </a:r>
+            <a:br>
+              <a:rPr lang="en" sz="1100">
+                <a:latin typeface="Calibri"/>
+                <a:ea typeface="Calibri"/>
+                <a:cs typeface="Calibri"/>
+                <a:sym typeface="Calibri"/>
+              </a:rPr>
+            </a:br>
+            <a:r>
+              <a:rPr lang="en" sz="1100">
+                <a:latin typeface="Calibri"/>
+                <a:ea typeface="Calibri"/>
+                <a:cs typeface="Calibri"/>
+                <a:sym typeface="Calibri"/>
+              </a:rPr>
+              <a:t>6. portfolio risk monitoring</a:t>
+            </a:r>
+            <a:br>
+              <a:rPr lang="en" sz="1100">
+                <a:latin typeface="Calibri"/>
+                <a:ea typeface="Calibri"/>
+                <a:cs typeface="Calibri"/>
+                <a:sym typeface="Calibri"/>
+              </a:rPr>
+            </a:br>
+            <a:r>
+              <a:rPr lang="en" sz="1100">
+                <a:latin typeface="Calibri"/>
+                <a:ea typeface="Calibri"/>
+                <a:cs typeface="Calibri"/>
+                <a:sym typeface="Calibri"/>
+              </a:rPr>
+              <a:t>7. 90-day individual stock outlooks</a:t>
+            </a:r>
+            <a:endParaRPr sz="1100">
+              <a:latin typeface="Calibri"/>
+              <a:ea typeface="Calibri"/>
+              <a:cs typeface="Calibri"/>
+              <a:sym typeface="Calibri"/>
+            </a:endParaRPr>
+          </a:p>
+          <a:p>
+            <a:pPr marL="171450" marR="0" lvl="0" indent="-127000" algn="l" rtl="0">
+              <a:lnSpc>
+                <a:spcPct val="100000"/>
+              </a:lnSpc>
+              <a:spcBef>
+                <a:spcPts val="0"/>
+              </a:spcBef>
+              <a:spcAft>
+                <a:spcPts val="0"/>
+              </a:spcAft>
+              <a:buClr>
+                <a:schemeClr val="dk1"/>
+              </a:buClr>
+              <a:buSzPts val="1100"/>
+              <a:buFont typeface="Calibri"/>
+              <a:buChar char="●"/>
+            </a:pPr>
+            <a:r>
+              <a:rPr lang="en" sz="1100">
+                <a:latin typeface="Calibri"/>
+                <a:ea typeface="Calibri"/>
+                <a:cs typeface="Calibri"/>
+                <a:sym typeface="Calibri"/>
+              </a:rPr>
+              <a:t>Users describe what they need, the agent asks clarifying questions about risk tolerance and time horizon, then builds transparent research reports showing its complete reasoning chain with data sources from CNBC and </a:t>
+            </a:r>
+            <a:r>
+              <a:rPr lang="en" sz="1100" u="sng">
+                <a:solidFill>
+                  <a:schemeClr val="hlink"/>
+                </a:solidFill>
+                <a:latin typeface="Calibri"/>
+                <a:ea typeface="Calibri"/>
+                <a:cs typeface="Calibri"/>
+                <a:sym typeface="Calibri"/>
+                <a:hlinkClick r:id="rId4"/>
+              </a:rPr>
+              <a:t>Investing.com</a:t>
+            </a:r>
+            <a:endParaRPr sz="1100">
+              <a:latin typeface="Calibri"/>
+              <a:ea typeface="Calibri"/>
+              <a:cs typeface="Calibri"/>
+              <a:sym typeface="Calibri"/>
+            </a:endParaRPr>
+          </a:p>
+          <a:p>
+            <a:pPr marL="171450" marR="0" lvl="0" indent="-127000" algn="l" rtl="0">
+              <a:lnSpc>
+                <a:spcPct val="100000"/>
+              </a:lnSpc>
+              <a:spcBef>
+                <a:spcPts val="0"/>
+              </a:spcBef>
+              <a:spcAft>
+                <a:spcPts val="0"/>
+              </a:spcAft>
+              <a:buClr>
+                <a:schemeClr val="dk1"/>
+              </a:buClr>
+              <a:buSzPts val="1100"/>
+              <a:buFont typeface="Calibri"/>
+              <a:buChar char="●"/>
+            </a:pPr>
+            <a:r>
+              <a:rPr lang="en" sz="1100">
+                <a:latin typeface="Calibri"/>
+                <a:ea typeface="Calibri"/>
+                <a:cs typeface="Calibri"/>
+                <a:sym typeface="Calibri"/>
+              </a:rPr>
+              <a:t>Reports include valuation metrics, financial history, risk analysis, and can be exported as editable HTML. The system represents a shift toward autonomous decision engines accessible to individual investors, mirroring AI-driven research tools major firms like Bloomberg, BlackRock, and JP Morgan already deploy internally</a:t>
+            </a:r>
+            <a:endParaRPr sz="1100">
+              <a:latin typeface="Calibri"/>
+              <a:ea typeface="Calibri"/>
+              <a:cs typeface="Calibri"/>
+              <a:sym typeface="Calibri"/>
+            </a:endParaRPr>
+          </a:p>
+          <a:p>
+            <a:pPr marL="171450" marR="0" lvl="0" indent="-127000" algn="l" rtl="0">
+              <a:lnSpc>
+                <a:spcPct val="100000"/>
+              </a:lnSpc>
+              <a:spcBef>
+                <a:spcPts val="0"/>
+              </a:spcBef>
+              <a:spcAft>
+                <a:spcPts val="0"/>
+              </a:spcAft>
+              <a:buClr>
+                <a:schemeClr val="dk1"/>
+              </a:buClr>
+              <a:buSzPts val="1100"/>
+              <a:buFont typeface="Calibri"/>
+              <a:buChar char="●"/>
+            </a:pPr>
+            <a:r>
+              <a:rPr lang="en" sz="1100" u="sng">
+                <a:solidFill>
+                  <a:schemeClr val="hlink"/>
+                </a:solidFill>
+                <a:latin typeface="Calibri"/>
+                <a:ea typeface="Calibri"/>
+                <a:cs typeface="Calibri"/>
+                <a:sym typeface="Calibri"/>
+                <a:hlinkClick r:id="rId5"/>
+              </a:rPr>
+              <a:t>https://www.youtube.com/watch?v=hzAAzUyILNU</a:t>
+            </a:r>
+            <a:r>
+              <a:rPr lang="en" sz="1100">
+                <a:latin typeface="Calibri"/>
+                <a:ea typeface="Calibri"/>
+                <a:cs typeface="Calibri"/>
+                <a:sym typeface="Calibri"/>
+              </a:rPr>
+              <a:t> </a:t>
+            </a:r>
+            <a:endParaRPr sz="1100">
+              <a:latin typeface="Calibri"/>
+              <a:ea typeface="Calibri"/>
+              <a:cs typeface="Calibri"/>
+              <a:sym typeface="Calibri"/>
+            </a:endParaRPr>
+          </a:p>
+          <a:p>
+            <a:pPr marL="171450" marR="0" lvl="0" indent="-127000" algn="l" rtl="0">
+              <a:lnSpc>
+                <a:spcPct val="100000"/>
+              </a:lnSpc>
+              <a:spcBef>
+                <a:spcPts val="0"/>
+              </a:spcBef>
+              <a:spcAft>
+                <a:spcPts val="0"/>
+              </a:spcAft>
+              <a:buClr>
+                <a:schemeClr val="dk1"/>
+              </a:buClr>
+              <a:buSzPts val="1100"/>
+              <a:buFont typeface="Calibri"/>
+              <a:buChar char="●"/>
+            </a:pPr>
+            <a:r>
+              <a:rPr lang="en" sz="1100" u="sng">
+                <a:solidFill>
+                  <a:schemeClr val="hlink"/>
+                </a:solidFill>
+                <a:latin typeface="Calibri"/>
+                <a:ea typeface="Calibri"/>
+                <a:cs typeface="Calibri"/>
+                <a:sym typeface="Calibri"/>
+                <a:hlinkClick r:id="rId6"/>
+              </a:rPr>
+              <a:t>https://deepagent.abacus.ai</a:t>
+            </a:r>
+            <a:r>
+              <a:rPr lang="en" sz="1100">
+                <a:latin typeface="Calibri"/>
+                <a:ea typeface="Calibri"/>
+                <a:cs typeface="Calibri"/>
+                <a:sym typeface="Calibri"/>
+              </a:rPr>
+              <a:t> </a:t>
+            </a:r>
+            <a:endParaRPr sz="1100">
+              <a:latin typeface="Calibri"/>
+              <a:ea typeface="Calibri"/>
+              <a:cs typeface="Calibri"/>
+              <a:sym typeface="Calibri"/>
+            </a:endParaRPr>
+          </a:p>
+        </p:txBody>
+      </p:sp>
+      <p:pic>
+        <p:nvPicPr>
+          <p:cNvPr id="222" name="Google Shape;222;p25"/>
+          <p:cNvPicPr preferRelativeResize="0"/>
+          <p:nvPr/>
+        </p:nvPicPr>
+        <p:blipFill>
+          <a:blip r:embed="rId7" cstate="email">
+            <a:alphaModFix/>
+            <a:extLst>
+              <a:ext uri="{28A0092B-C50C-407E-A947-70E740481C1C}">
+                <a14:useLocalDpi xmlns:a14="http://schemas.microsoft.com/office/drawing/2010/main"/>
+              </a:ext>
+            </a:extLst>
+          </a:blip>
+          <a:stretch>
+            <a:fillRect/>
+          </a:stretch>
+        </p:blipFill>
+        <p:spPr>
+          <a:xfrm>
+            <a:off x="3743215" y="1416820"/>
+            <a:ext cx="5332224" cy="2910850"/>
+          </a:xfrm>
+          <a:prstGeom prst="rect">
+            <a:avLst/>
+          </a:prstGeom>
+          <a:noFill/>
+          <a:ln w="9525" cap="flat" cmpd="sng">
+            <a:solidFill>
+              <a:srgbClr val="FF0000"/>
+            </a:solidFill>
+            <a:prstDash val="solid"/>
+            <a:round/>
+            <a:headEnd type="none" w="sm" len="sm"/>
+            <a:tailEnd type="none" w="sm" len="sm"/>
+          </a:ln>
+        </p:spPr>
+      </p:pic>
+      <p:pic>
+        <p:nvPicPr>
+          <p:cNvPr id="223" name="Google Shape;223;p25"/>
+          <p:cNvPicPr preferRelativeResize="0"/>
+          <p:nvPr/>
+        </p:nvPicPr>
+        <p:blipFill rotWithShape="1">
+          <a:blip r:embed="rId8" cstate="email">
+            <a:alphaModFix/>
+            <a:extLst>
+              <a:ext uri="{28A0092B-C50C-407E-A947-70E740481C1C}">
+                <a14:useLocalDpi xmlns:a14="http://schemas.microsoft.com/office/drawing/2010/main"/>
+              </a:ext>
+            </a:extLst>
+          </a:blip>
+          <a:srcRect/>
+          <a:stretch/>
+        </p:blipFill>
+        <p:spPr>
+          <a:xfrm>
+            <a:off x="3902757" y="415075"/>
+            <a:ext cx="1903717" cy="346475"/>
+          </a:xfrm>
+          <a:prstGeom prst="rect">
+            <a:avLst/>
+          </a:prstGeom>
+          <a:noFill/>
+          <a:ln>
+            <a:noFill/>
+          </a:ln>
+        </p:spPr>
+      </p:pic>
+    </p:spTree>
+  </p:cSld>
+  <p:clrMapOvr>
+    <a:masterClrMapping/>
+  </p:clrMapOvr>
+</p:sld>
+</file>
+
+<file path=ppt/slides/slide12.xml><?xml version="1.0" encoding="utf-8"?>
+<p:sld xmlns:a="http://schemas.openxmlformats.org/drawingml/2006/main" xmlns:r="http://schemas.openxmlformats.org/officeDocument/2006/relationships" xmlns:p="http://schemas.openxmlformats.org/presentationml/2006/main">
+  <p:cSld>
+    <p:spTree>
+      <p:nvGrpSpPr>
+        <p:cNvPr id="1" name="Shape 227"/>
+        <p:cNvGrpSpPr/>
+        <p:nvPr/>
+      </p:nvGrpSpPr>
+      <p:grpSpPr>
+        <a:xfrm>
+          <a:off x="0" y="0"/>
+          <a:ext cx="0" cy="0"/>
+          <a:chOff x="0" y="0"/>
+          <a:chExt cx="0" cy="0"/>
+        </a:xfrm>
+      </p:grpSpPr>
+      <p:sp>
+        <p:nvSpPr>
+          <p:cNvPr id="228" name="Google Shape;228;p26"/>
+          <p:cNvSpPr txBox="1"/>
+          <p:nvPr/>
+        </p:nvSpPr>
+        <p:spPr>
+          <a:xfrm>
+            <a:off x="55075" y="20375"/>
+            <a:ext cx="3961200" cy="326400"/>
+          </a:xfrm>
+          <a:prstGeom prst="rect">
+            <a:avLst/>
+          </a:prstGeom>
+          <a:noFill/>
+          <a:ln>
+            <a:noFill/>
+          </a:ln>
+        </p:spPr>
+        <p:txBody>
+          <a:bodyPr spcFirstLastPara="1" wrap="square" lIns="9125" tIns="9125" rIns="9125" bIns="9125" anchor="t" anchorCtr="0">
+            <a:spAutoFit/>
+          </a:bodyPr>
+          <a:lstStyle/>
+          <a:p>
+            <a:pPr marL="0" marR="0" lvl="0" indent="0" algn="l" rtl="0">
+              <a:lnSpc>
+                <a:spcPct val="100000"/>
+              </a:lnSpc>
+              <a:spcBef>
+                <a:spcPts val="0"/>
+              </a:spcBef>
+              <a:spcAft>
+                <a:spcPts val="0"/>
+              </a:spcAft>
+              <a:buClr>
+                <a:schemeClr val="dk1"/>
+              </a:buClr>
+              <a:buSzPts val="1100"/>
+              <a:buFont typeface="Arial"/>
+              <a:buNone/>
+            </a:pPr>
+            <a:r>
+              <a:rPr lang="en" sz="2000" b="1">
+                <a:solidFill>
+                  <a:schemeClr val="dk1"/>
+                </a:solidFill>
+                <a:latin typeface="Calibri"/>
+                <a:ea typeface="Calibri"/>
+                <a:cs typeface="Calibri"/>
+                <a:sym typeface="Calibri"/>
+              </a:rPr>
+              <a:t>Use AI to Generate Documentation</a:t>
+            </a:r>
+            <a:endParaRPr sz="2000" b="1">
+              <a:solidFill>
+                <a:schemeClr val="dk1"/>
+              </a:solidFill>
+              <a:latin typeface="Calibri"/>
+              <a:ea typeface="Calibri"/>
+              <a:cs typeface="Calibri"/>
+              <a:sym typeface="Calibri"/>
+            </a:endParaRPr>
+          </a:p>
+        </p:txBody>
+      </p:sp>
+      <p:sp>
+        <p:nvSpPr>
+          <p:cNvPr id="229" name="Google Shape;229;p26"/>
+          <p:cNvSpPr txBox="1"/>
+          <p:nvPr/>
+        </p:nvSpPr>
+        <p:spPr>
+          <a:xfrm>
+            <a:off x="55075" y="350300"/>
+            <a:ext cx="4917000" cy="4420800"/>
+          </a:xfrm>
+          <a:prstGeom prst="rect">
+            <a:avLst/>
+          </a:prstGeom>
+          <a:solidFill>
+            <a:srgbClr val="FFF2CC"/>
+          </a:solidFill>
+          <a:ln w="9525" cap="flat" cmpd="sng">
+            <a:solidFill>
+              <a:srgbClr val="FF0000"/>
+            </a:solidFill>
+            <a:prstDash val="solid"/>
+            <a:round/>
+            <a:headEnd type="none" w="sm" len="sm"/>
+            <a:tailEnd type="none" w="sm" len="sm"/>
+          </a:ln>
+        </p:spPr>
+        <p:txBody>
+          <a:bodyPr spcFirstLastPara="1" wrap="square" lIns="9125" tIns="9125" rIns="9125" bIns="9125" anchor="t" anchorCtr="0">
+            <a:spAutoFit/>
+          </a:bodyPr>
+          <a:lstStyle/>
+          <a:p>
+            <a:pPr marL="171450" marR="0" lvl="0" indent="-127000" algn="l" rtl="0">
+              <a:lnSpc>
+                <a:spcPct val="100000"/>
+              </a:lnSpc>
+              <a:spcBef>
+                <a:spcPts val="0"/>
+              </a:spcBef>
+              <a:spcAft>
+                <a:spcPts val="0"/>
+              </a:spcAft>
+              <a:buSzPts val="1100"/>
+              <a:buFont typeface="Calibri"/>
+              <a:buChar char="●"/>
+            </a:pPr>
+            <a:r>
+              <a:rPr lang="en" sz="1100" b="1">
+                <a:solidFill>
+                  <a:srgbClr val="FF0000"/>
+                </a:solidFill>
+                <a:latin typeface="Calibri"/>
+                <a:ea typeface="Calibri"/>
+                <a:cs typeface="Calibri"/>
+                <a:sym typeface="Calibri"/>
+              </a:rPr>
+              <a:t>For contract software delivery, you'll need 2 types of docs:</a:t>
+            </a:r>
+            <a:br>
+              <a:rPr lang="en" sz="1100">
+                <a:latin typeface="Calibri"/>
+                <a:ea typeface="Calibri"/>
+                <a:cs typeface="Calibri"/>
+                <a:sym typeface="Calibri"/>
+              </a:rPr>
+            </a:br>
+            <a:r>
+              <a:rPr lang="en" sz="1100">
+                <a:latin typeface="Calibri"/>
+                <a:ea typeface="Calibri"/>
+                <a:cs typeface="Calibri"/>
+                <a:sym typeface="Calibri"/>
+              </a:rPr>
+              <a:t>    1. high-level delivery docs (README, user guides, deployment guides)</a:t>
+            </a:r>
+            <a:br>
+              <a:rPr lang="en" sz="1100">
+                <a:latin typeface="Calibri"/>
+                <a:ea typeface="Calibri"/>
+                <a:cs typeface="Calibri"/>
+                <a:sym typeface="Calibri"/>
+              </a:rPr>
+            </a:br>
+            <a:r>
+              <a:rPr lang="en" sz="1100">
+                <a:latin typeface="Calibri"/>
+                <a:ea typeface="Calibri"/>
+                <a:cs typeface="Calibri"/>
+                <a:sym typeface="Calibri"/>
+              </a:rPr>
+              <a:t>    2. detailed technical docs (API refs, architecture docs, inline code docs)</a:t>
+            </a:r>
+            <a:endParaRPr sz="1100">
+              <a:latin typeface="Calibri"/>
+              <a:ea typeface="Calibri"/>
+              <a:cs typeface="Calibri"/>
+              <a:sym typeface="Calibri"/>
+            </a:endParaRPr>
+          </a:p>
+          <a:p>
+            <a:pPr marL="171450" marR="0" lvl="0" indent="-127000" algn="l" rtl="0">
+              <a:lnSpc>
+                <a:spcPct val="100000"/>
+              </a:lnSpc>
+              <a:spcBef>
+                <a:spcPts val="0"/>
+              </a:spcBef>
+              <a:spcAft>
+                <a:spcPts val="0"/>
+              </a:spcAft>
+              <a:buClr>
+                <a:srgbClr val="3C78D8"/>
+              </a:buClr>
+              <a:buSzPts val="1100"/>
+              <a:buFont typeface="Calibri"/>
+              <a:buChar char="●"/>
+            </a:pPr>
+            <a:r>
+              <a:rPr lang="en" sz="1100" b="1">
+                <a:solidFill>
+                  <a:srgbClr val="3C78D8"/>
+                </a:solidFill>
+                <a:latin typeface="Calibri"/>
+                <a:ea typeface="Calibri"/>
+                <a:cs typeface="Calibri"/>
+                <a:sym typeface="Calibri"/>
+              </a:rPr>
+              <a:t>Recommended Workflow:</a:t>
+            </a:r>
+            <a:endParaRPr sz="1100" b="1">
+              <a:solidFill>
+                <a:srgbClr val="3C78D8"/>
+              </a:solidFill>
+              <a:latin typeface="Calibri"/>
+              <a:ea typeface="Calibri"/>
+              <a:cs typeface="Calibri"/>
+              <a:sym typeface="Calibri"/>
+            </a:endParaRPr>
+          </a:p>
+          <a:p>
+            <a:pPr marL="457200" marR="0" lvl="0" indent="-127000" algn="l" rtl="0">
+              <a:lnSpc>
+                <a:spcPct val="100000"/>
+              </a:lnSpc>
+              <a:spcBef>
+                <a:spcPts val="0"/>
+              </a:spcBef>
+              <a:spcAft>
+                <a:spcPts val="0"/>
+              </a:spcAft>
+              <a:buClr>
+                <a:schemeClr val="dk1"/>
+              </a:buClr>
+              <a:buSzPts val="1100"/>
+              <a:buFont typeface="Calibri"/>
+              <a:buChar char="●"/>
+            </a:pPr>
+            <a:r>
+              <a:rPr lang="en" sz="1100">
+                <a:latin typeface="Calibri"/>
+                <a:ea typeface="Calibri"/>
+                <a:cs typeface="Calibri"/>
+                <a:sym typeface="Calibri"/>
+              </a:rPr>
+              <a:t>Use AI to generate doc templates and structure from your codebase</a:t>
+            </a:r>
+            <a:endParaRPr sz="1100">
+              <a:latin typeface="Calibri"/>
+              <a:ea typeface="Calibri"/>
+              <a:cs typeface="Calibri"/>
+              <a:sym typeface="Calibri"/>
+            </a:endParaRPr>
+          </a:p>
+          <a:p>
+            <a:pPr marL="457200" marR="0" lvl="0" indent="-127000" algn="l" rtl="0">
+              <a:lnSpc>
+                <a:spcPct val="100000"/>
+              </a:lnSpc>
+              <a:spcBef>
+                <a:spcPts val="0"/>
+              </a:spcBef>
+              <a:spcAft>
+                <a:spcPts val="0"/>
+              </a:spcAft>
+              <a:buClr>
+                <a:schemeClr val="dk1"/>
+              </a:buClr>
+              <a:buSzPts val="1100"/>
+              <a:buFont typeface="Calibri"/>
+              <a:buChar char="●"/>
+            </a:pPr>
+            <a:r>
+              <a:rPr lang="en" sz="1100">
+                <a:latin typeface="Calibri"/>
+                <a:ea typeface="Calibri"/>
+                <a:cs typeface="Calibri"/>
+                <a:sym typeface="Calibri"/>
+              </a:rPr>
+              <a:t>Maintain docs alongside your project code in version control</a:t>
+            </a:r>
+            <a:endParaRPr sz="1100">
+              <a:latin typeface="Calibri"/>
+              <a:ea typeface="Calibri"/>
+              <a:cs typeface="Calibri"/>
+              <a:sym typeface="Calibri"/>
+            </a:endParaRPr>
+          </a:p>
+          <a:p>
+            <a:pPr marL="457200" marR="0" lvl="0" indent="-127000" algn="l" rtl="0">
+              <a:lnSpc>
+                <a:spcPct val="100000"/>
+              </a:lnSpc>
+              <a:spcBef>
+                <a:spcPts val="0"/>
+              </a:spcBef>
+              <a:spcAft>
+                <a:spcPts val="0"/>
+              </a:spcAft>
+              <a:buClr>
+                <a:schemeClr val="dk1"/>
+              </a:buClr>
+              <a:buSzPts val="1100"/>
+              <a:buFont typeface="Calibri"/>
+              <a:buChar char="●"/>
+            </a:pPr>
+            <a:r>
+              <a:rPr lang="en" sz="1100">
+                <a:latin typeface="Calibri"/>
+                <a:ea typeface="Calibri"/>
+                <a:cs typeface="Calibri"/>
+                <a:sym typeface="Calibri"/>
+              </a:rPr>
+              <a:t>Automate updates when code changes</a:t>
+            </a:r>
+            <a:endParaRPr sz="1100">
+              <a:latin typeface="Calibri"/>
+              <a:ea typeface="Calibri"/>
+              <a:cs typeface="Calibri"/>
+              <a:sym typeface="Calibri"/>
+            </a:endParaRPr>
+          </a:p>
+          <a:p>
+            <a:pPr marL="457200" marR="0" lvl="0" indent="-127000" algn="l" rtl="0">
+              <a:lnSpc>
+                <a:spcPct val="100000"/>
+              </a:lnSpc>
+              <a:spcBef>
+                <a:spcPts val="0"/>
+              </a:spcBef>
+              <a:spcAft>
+                <a:spcPts val="0"/>
+              </a:spcAft>
+              <a:buClr>
+                <a:schemeClr val="dk1"/>
+              </a:buClr>
+              <a:buSzPts val="1100"/>
+              <a:buFont typeface="Calibri"/>
+              <a:buChar char="●"/>
+            </a:pPr>
+            <a:r>
+              <a:rPr lang="en" sz="1100">
+                <a:latin typeface="Calibri"/>
+                <a:ea typeface="Calibri"/>
+                <a:cs typeface="Calibri"/>
+                <a:sym typeface="Calibri"/>
+              </a:rPr>
+              <a:t>Review and refine AI-generated content before client delivery</a:t>
+            </a:r>
+            <a:endParaRPr sz="1100">
+              <a:latin typeface="Calibri"/>
+              <a:ea typeface="Calibri"/>
+              <a:cs typeface="Calibri"/>
+              <a:sym typeface="Calibri"/>
+            </a:endParaRPr>
+          </a:p>
+          <a:p>
+            <a:pPr marL="171450" marR="0" lvl="0" indent="-127000" algn="l" rtl="0">
+              <a:lnSpc>
+                <a:spcPct val="100000"/>
+              </a:lnSpc>
+              <a:spcBef>
+                <a:spcPts val="0"/>
+              </a:spcBef>
+              <a:spcAft>
+                <a:spcPts val="0"/>
+              </a:spcAft>
+              <a:buClr>
+                <a:srgbClr val="3C78D8"/>
+              </a:buClr>
+              <a:buSzPts val="1100"/>
+              <a:buFont typeface="Calibri"/>
+              <a:buChar char="●"/>
+            </a:pPr>
+            <a:r>
+              <a:rPr lang="en" sz="1100" b="1">
+                <a:solidFill>
+                  <a:srgbClr val="3C78D8"/>
+                </a:solidFill>
+                <a:latin typeface="Calibri"/>
+                <a:ea typeface="Calibri"/>
+                <a:cs typeface="Calibri"/>
+                <a:sym typeface="Calibri"/>
+              </a:rPr>
+              <a:t>For High-Level Delivery Docs:</a:t>
+            </a:r>
+            <a:endParaRPr sz="1100" b="1">
+              <a:solidFill>
+                <a:srgbClr val="3C78D8"/>
+              </a:solidFill>
+              <a:latin typeface="Calibri"/>
+              <a:ea typeface="Calibri"/>
+              <a:cs typeface="Calibri"/>
+              <a:sym typeface="Calibri"/>
+            </a:endParaRPr>
+          </a:p>
+          <a:p>
+            <a:pPr marL="457200" marR="0" lvl="0" indent="-127000" algn="l" rtl="0">
+              <a:lnSpc>
+                <a:spcPct val="100000"/>
+              </a:lnSpc>
+              <a:spcBef>
+                <a:spcPts val="0"/>
+              </a:spcBef>
+              <a:spcAft>
+                <a:spcPts val="0"/>
+              </a:spcAft>
+              <a:buClr>
+                <a:schemeClr val="dk1"/>
+              </a:buClr>
+              <a:buSzPts val="1100"/>
+              <a:buFont typeface="Calibri"/>
+              <a:buChar char="●"/>
+            </a:pPr>
+            <a:r>
+              <a:rPr lang="en" sz="1100">
+                <a:latin typeface="Calibri"/>
+                <a:ea typeface="Calibri"/>
+                <a:cs typeface="Calibri"/>
+                <a:sym typeface="Calibri"/>
+              </a:rPr>
+              <a:t>Generate README files with project overview, setup instructions, and usage examples using AI or tools like DocuWriter</a:t>
+            </a:r>
+            <a:endParaRPr sz="1100">
+              <a:latin typeface="Calibri"/>
+              <a:ea typeface="Calibri"/>
+              <a:cs typeface="Calibri"/>
+              <a:sym typeface="Calibri"/>
+            </a:endParaRPr>
+          </a:p>
+          <a:p>
+            <a:pPr marL="457200" marR="0" lvl="0" indent="-127000" algn="l" rtl="0">
+              <a:lnSpc>
+                <a:spcPct val="100000"/>
+              </a:lnSpc>
+              <a:spcBef>
+                <a:spcPts val="0"/>
+              </a:spcBef>
+              <a:spcAft>
+                <a:spcPts val="0"/>
+              </a:spcAft>
+              <a:buClr>
+                <a:schemeClr val="dk1"/>
+              </a:buClr>
+              <a:buSzPts val="1100"/>
+              <a:buFont typeface="Calibri"/>
+              <a:buChar char="●"/>
+            </a:pPr>
+            <a:r>
+              <a:rPr lang="en" sz="1100">
+                <a:latin typeface="Calibri"/>
+                <a:ea typeface="Calibri"/>
+                <a:cs typeface="Calibri"/>
+                <a:sym typeface="Calibri"/>
+              </a:rPr>
+              <a:t>Create user guides and deployment docs using Scribe, which captures workflows and generates step-by-step guides with screenshots</a:t>
+            </a:r>
+            <a:endParaRPr sz="1100">
+              <a:latin typeface="Calibri"/>
+              <a:ea typeface="Calibri"/>
+              <a:cs typeface="Calibri"/>
+              <a:sym typeface="Calibri"/>
+            </a:endParaRPr>
+          </a:p>
+          <a:p>
+            <a:pPr marL="457200" marR="0" lvl="0" indent="-127000" algn="l" rtl="0">
+              <a:lnSpc>
+                <a:spcPct val="100000"/>
+              </a:lnSpc>
+              <a:spcBef>
+                <a:spcPts val="0"/>
+              </a:spcBef>
+              <a:spcAft>
+                <a:spcPts val="0"/>
+              </a:spcAft>
+              <a:buClr>
+                <a:schemeClr val="dk1"/>
+              </a:buClr>
+              <a:buSzPts val="1100"/>
+              <a:buFont typeface="Calibri"/>
+              <a:buChar char="●"/>
+            </a:pPr>
+            <a:r>
+              <a:rPr lang="en" sz="1100">
+                <a:latin typeface="Calibri"/>
+                <a:ea typeface="Calibri"/>
+                <a:cs typeface="Calibri"/>
+                <a:sym typeface="Calibri"/>
+              </a:rPr>
+              <a:t>Generate architecture overviews and system design docs using AI assistants</a:t>
+            </a:r>
+            <a:endParaRPr sz="1100">
+              <a:latin typeface="Calibri"/>
+              <a:ea typeface="Calibri"/>
+              <a:cs typeface="Calibri"/>
+              <a:sym typeface="Calibri"/>
+            </a:endParaRPr>
+          </a:p>
+          <a:p>
+            <a:pPr marL="171450" marR="0" lvl="0" indent="-127000" algn="l" rtl="0">
+              <a:lnSpc>
+                <a:spcPct val="100000"/>
+              </a:lnSpc>
+              <a:spcBef>
+                <a:spcPts val="0"/>
+              </a:spcBef>
+              <a:spcAft>
+                <a:spcPts val="0"/>
+              </a:spcAft>
+              <a:buClr>
+                <a:srgbClr val="3C78D8"/>
+              </a:buClr>
+              <a:buSzPts val="1100"/>
+              <a:buFont typeface="Calibri"/>
+              <a:buChar char="●"/>
+            </a:pPr>
+            <a:r>
+              <a:rPr lang="en" sz="1100" b="1">
+                <a:solidFill>
+                  <a:srgbClr val="3C78D8"/>
+                </a:solidFill>
+                <a:latin typeface="Calibri"/>
+                <a:ea typeface="Calibri"/>
+                <a:cs typeface="Calibri"/>
+                <a:sym typeface="Calibri"/>
+              </a:rPr>
+              <a:t>For Technical Docs:</a:t>
+            </a:r>
+            <a:endParaRPr sz="1100" b="1">
+              <a:solidFill>
+                <a:srgbClr val="3C78D8"/>
+              </a:solidFill>
+              <a:latin typeface="Calibri"/>
+              <a:ea typeface="Calibri"/>
+              <a:cs typeface="Calibri"/>
+              <a:sym typeface="Calibri"/>
+            </a:endParaRPr>
+          </a:p>
+          <a:p>
+            <a:pPr marL="457200" marR="0" lvl="0" indent="-127000" algn="l" rtl="0">
+              <a:lnSpc>
+                <a:spcPct val="100000"/>
+              </a:lnSpc>
+              <a:spcBef>
+                <a:spcPts val="0"/>
+              </a:spcBef>
+              <a:spcAft>
+                <a:spcPts val="0"/>
+              </a:spcAft>
+              <a:buClr>
+                <a:schemeClr val="dk1"/>
+              </a:buClr>
+              <a:buSzPts val="1100"/>
+              <a:buFont typeface="Calibri"/>
+              <a:buChar char="●"/>
+            </a:pPr>
+            <a:r>
+              <a:rPr lang="en" sz="1100">
+                <a:latin typeface="Calibri"/>
+                <a:ea typeface="Calibri"/>
+                <a:cs typeface="Calibri"/>
+                <a:sym typeface="Calibri"/>
+              </a:rPr>
+              <a:t>Generate API docs from OpenAPI/Swagger specs ( use Apidog, Mintlify, ... )</a:t>
+            </a:r>
+            <a:endParaRPr sz="1100">
+              <a:latin typeface="Calibri"/>
+              <a:ea typeface="Calibri"/>
+              <a:cs typeface="Calibri"/>
+              <a:sym typeface="Calibri"/>
+            </a:endParaRPr>
+          </a:p>
+          <a:p>
+            <a:pPr marL="457200" marR="0" lvl="0" indent="-127000" algn="l" rtl="0">
+              <a:lnSpc>
+                <a:spcPct val="100000"/>
+              </a:lnSpc>
+              <a:spcBef>
+                <a:spcPts val="0"/>
+              </a:spcBef>
+              <a:spcAft>
+                <a:spcPts val="0"/>
+              </a:spcAft>
+              <a:buClr>
+                <a:schemeClr val="dk1"/>
+              </a:buClr>
+              <a:buSzPts val="1100"/>
+              <a:buFont typeface="Calibri"/>
+              <a:buChar char="●"/>
+            </a:pPr>
+            <a:r>
+              <a:rPr lang="en" sz="1100">
+                <a:latin typeface="Calibri"/>
+                <a:ea typeface="Calibri"/>
+                <a:cs typeface="Calibri"/>
+                <a:sym typeface="Calibri"/>
+              </a:rPr>
+              <a:t>Create inline code docs / comments using AI</a:t>
+            </a:r>
+            <a:endParaRPr sz="1100">
+              <a:latin typeface="Calibri"/>
+              <a:ea typeface="Calibri"/>
+              <a:cs typeface="Calibri"/>
+              <a:sym typeface="Calibri"/>
+            </a:endParaRPr>
+          </a:p>
+          <a:p>
+            <a:pPr marL="457200" marR="0" lvl="0" indent="-127000" algn="l" rtl="0">
+              <a:lnSpc>
+                <a:spcPct val="100000"/>
+              </a:lnSpc>
+              <a:spcBef>
+                <a:spcPts val="0"/>
+              </a:spcBef>
+              <a:spcAft>
+                <a:spcPts val="0"/>
+              </a:spcAft>
+              <a:buClr>
+                <a:schemeClr val="dk1"/>
+              </a:buClr>
+              <a:buSzPts val="1100"/>
+              <a:buFont typeface="Calibri"/>
+              <a:buChar char="●"/>
+            </a:pPr>
+            <a:r>
+              <a:rPr lang="en" sz="1100">
+                <a:latin typeface="Calibri"/>
+                <a:ea typeface="Calibri"/>
+                <a:cs typeface="Calibri"/>
+                <a:sym typeface="Calibri"/>
+              </a:rPr>
+              <a:t>Generate database schema docs and technical specs using AI</a:t>
+            </a:r>
+            <a:endParaRPr sz="1100">
+              <a:latin typeface="Calibri"/>
+              <a:ea typeface="Calibri"/>
+              <a:cs typeface="Calibri"/>
+              <a:sym typeface="Calibri"/>
+            </a:endParaRPr>
+          </a:p>
+          <a:p>
+            <a:pPr marL="171450" marR="0" lvl="0" indent="-127000" algn="l" rtl="0">
+              <a:lnSpc>
+                <a:spcPct val="100000"/>
+              </a:lnSpc>
+              <a:spcBef>
+                <a:spcPts val="0"/>
+              </a:spcBef>
+              <a:spcAft>
+                <a:spcPts val="0"/>
+              </a:spcAft>
+              <a:buClr>
+                <a:schemeClr val="dk1"/>
+              </a:buClr>
+              <a:buSzPts val="1100"/>
+              <a:buFont typeface="Calibri"/>
+              <a:buChar char="●"/>
+            </a:pPr>
+            <a:r>
+              <a:rPr lang="en" sz="1100">
+                <a:latin typeface="Calibri"/>
+                <a:ea typeface="Calibri"/>
+                <a:cs typeface="Calibri"/>
+                <a:sym typeface="Calibri"/>
+              </a:rPr>
+              <a:t>Use Cline (or other code assistants) to generate docs. </a:t>
+            </a:r>
+            <a:br>
+              <a:rPr lang="en" sz="1100">
+                <a:latin typeface="Calibri"/>
+                <a:ea typeface="Calibri"/>
+                <a:cs typeface="Calibri"/>
+                <a:sym typeface="Calibri"/>
+              </a:rPr>
+            </a:br>
+            <a:r>
+              <a:rPr lang="en" sz="1100">
+                <a:latin typeface="Calibri"/>
+                <a:ea typeface="Calibri"/>
+                <a:cs typeface="Calibri"/>
+                <a:sym typeface="Calibri"/>
+              </a:rPr>
+              <a:t>Use ".clinerules" to define documentation standards and guidelines</a:t>
+            </a:r>
+            <a:endParaRPr sz="1100">
+              <a:latin typeface="Calibri"/>
+              <a:ea typeface="Calibri"/>
+              <a:cs typeface="Calibri"/>
+              <a:sym typeface="Calibri"/>
+            </a:endParaRPr>
+          </a:p>
+          <a:p>
+            <a:pPr marL="171450" marR="0" lvl="0" indent="-127000" algn="l" rtl="0">
+              <a:lnSpc>
+                <a:spcPct val="100000"/>
+              </a:lnSpc>
+              <a:spcBef>
+                <a:spcPts val="0"/>
+              </a:spcBef>
+              <a:spcAft>
+                <a:spcPts val="0"/>
+              </a:spcAft>
+              <a:buClr>
+                <a:schemeClr val="dk1"/>
+              </a:buClr>
+              <a:buSzPts val="1100"/>
+              <a:buFont typeface="Calibri"/>
+              <a:buChar char="●"/>
+            </a:pPr>
+            <a:r>
+              <a:rPr lang="en" sz="1100">
+                <a:latin typeface="Calibri"/>
+                <a:ea typeface="Calibri"/>
+                <a:cs typeface="Calibri"/>
+                <a:sym typeface="Calibri"/>
+              </a:rPr>
+              <a:t>Prompt example: "</a:t>
+            </a:r>
+            <a:r>
+              <a:rPr lang="en" sz="1100">
+                <a:solidFill>
+                  <a:srgbClr val="CC0000"/>
+                </a:solidFill>
+                <a:latin typeface="Calibri"/>
+                <a:ea typeface="Calibri"/>
+                <a:cs typeface="Calibri"/>
+                <a:sym typeface="Calibri"/>
+              </a:rPr>
+              <a:t>Create a comprehensive README.md with installation, configuration, and usage sections based on the codebase</a:t>
+            </a:r>
+            <a:r>
+              <a:rPr lang="en" sz="1100">
+                <a:latin typeface="Calibri"/>
+                <a:ea typeface="Calibri"/>
+                <a:cs typeface="Calibri"/>
+                <a:sym typeface="Calibri"/>
+              </a:rPr>
+              <a:t>"</a:t>
+            </a:r>
+            <a:endParaRPr sz="1100">
+              <a:latin typeface="Calibri"/>
+              <a:ea typeface="Calibri"/>
+              <a:cs typeface="Calibri"/>
+              <a:sym typeface="Calibri"/>
+            </a:endParaRPr>
+          </a:p>
+          <a:p>
+            <a:pPr marL="171450" marR="0" lvl="0" indent="-127000" algn="l" rtl="0">
+              <a:lnSpc>
+                <a:spcPct val="100000"/>
+              </a:lnSpc>
+              <a:spcBef>
+                <a:spcPts val="0"/>
+              </a:spcBef>
+              <a:spcAft>
+                <a:spcPts val="0"/>
+              </a:spcAft>
+              <a:buClr>
+                <a:schemeClr val="dk1"/>
+              </a:buClr>
+              <a:buSzPts val="1100"/>
+              <a:buFont typeface="Calibri"/>
+              <a:buChar char="●"/>
+            </a:pPr>
+            <a:r>
+              <a:rPr lang="en" sz="1100">
+                <a:latin typeface="Calibri"/>
+                <a:ea typeface="Calibri"/>
+                <a:cs typeface="Calibri"/>
+                <a:sym typeface="Calibri"/>
+              </a:rPr>
+              <a:t>You can ask it to generate API docs, technical design docs, or deployment guides</a:t>
+            </a:r>
+            <a:endParaRPr sz="1100">
+              <a:latin typeface="Calibri"/>
+              <a:ea typeface="Calibri"/>
+              <a:cs typeface="Calibri"/>
+              <a:sym typeface="Calibri"/>
+            </a:endParaRPr>
+          </a:p>
+          <a:p>
+            <a:pPr marL="171450" marR="0" lvl="0" indent="-127000" algn="l" rtl="0">
+              <a:lnSpc>
+                <a:spcPct val="100000"/>
+              </a:lnSpc>
+              <a:spcBef>
+                <a:spcPts val="0"/>
+              </a:spcBef>
+              <a:spcAft>
+                <a:spcPts val="0"/>
+              </a:spcAft>
+              <a:buSzPts val="1100"/>
+              <a:buFont typeface="Calibri"/>
+              <a:buChar char="●"/>
+            </a:pPr>
+            <a:r>
+              <a:rPr lang="en" sz="1100">
+                <a:latin typeface="Calibri"/>
+                <a:ea typeface="Calibri"/>
+                <a:cs typeface="Calibri"/>
+                <a:sym typeface="Calibri"/>
+              </a:rPr>
+              <a:t>AI can efficiently generate docs (text and diagrams) as Markdown (.md) files. </a:t>
+            </a:r>
+            <a:br>
+              <a:rPr lang="en" sz="1100">
+                <a:latin typeface="Calibri"/>
+                <a:ea typeface="Calibri"/>
+                <a:cs typeface="Calibri"/>
+                <a:sym typeface="Calibri"/>
+              </a:rPr>
+            </a:br>
+            <a:r>
+              <a:rPr lang="en" sz="1100">
+                <a:latin typeface="Calibri"/>
+                <a:ea typeface="Calibri"/>
+                <a:cs typeface="Calibri"/>
+                <a:sym typeface="Calibri"/>
+              </a:rPr>
+              <a:t>Then convert .md into .pdf , for example "</a:t>
+            </a:r>
+            <a:r>
+              <a:rPr lang="en" sz="1100" b="1">
+                <a:solidFill>
+                  <a:srgbClr val="3C78D8"/>
+                </a:solidFill>
+                <a:latin typeface="Calibri"/>
+                <a:ea typeface="Calibri"/>
+                <a:cs typeface="Calibri"/>
+                <a:sym typeface="Calibri"/>
+              </a:rPr>
+              <a:t>pandoc input.md -o output.pdf"</a:t>
+            </a:r>
+            <a:r>
+              <a:rPr lang="en" sz="1100">
+                <a:latin typeface="Calibri"/>
+                <a:ea typeface="Calibri"/>
+                <a:cs typeface="Calibri"/>
+                <a:sym typeface="Calibri"/>
+              </a:rPr>
+              <a:t>, VSCode, online tools and desktop apps</a:t>
+            </a:r>
+            <a:endParaRPr sz="1100">
+              <a:latin typeface="Calibri"/>
+              <a:ea typeface="Calibri"/>
+              <a:cs typeface="Calibri"/>
+              <a:sym typeface="Calibri"/>
+            </a:endParaRPr>
+          </a:p>
+        </p:txBody>
+      </p:sp>
+      <p:pic>
+        <p:nvPicPr>
+          <p:cNvPr id="230" name="Google Shape;230;p26"/>
+          <p:cNvPicPr preferRelativeResize="0"/>
+          <p:nvPr/>
+        </p:nvPicPr>
+        <p:blipFill>
+          <a:blip r:embed="rId3" cstate="email">
+            <a:alphaModFix/>
+            <a:extLst>
+              <a:ext uri="{28A0092B-C50C-407E-A947-70E740481C1C}">
+                <a14:useLocalDpi xmlns:a14="http://schemas.microsoft.com/office/drawing/2010/main"/>
+              </a:ext>
+            </a:extLst>
+          </a:blip>
+          <a:stretch>
+            <a:fillRect/>
+          </a:stretch>
+        </p:blipFill>
+        <p:spPr>
+          <a:xfrm>
+            <a:off x="5106600" y="1611625"/>
+            <a:ext cx="3961201" cy="2162424"/>
+          </a:xfrm>
+          <a:prstGeom prst="rect">
+            <a:avLst/>
+          </a:prstGeom>
+          <a:noFill/>
+          <a:ln w="9525" cap="flat" cmpd="sng">
+            <a:solidFill>
+              <a:srgbClr val="FF0000"/>
+            </a:solidFill>
+            <a:prstDash val="solid"/>
+            <a:round/>
+            <a:headEnd type="none" w="sm" len="sm"/>
+            <a:tailEnd type="none" w="sm" len="sm"/>
+          </a:ln>
+        </p:spPr>
+      </p:pic>
+    </p:spTree>
+  </p:cSld>
+  <p:clrMapOvr>
+    <a:masterClrMapping/>
+  </p:clrMapOvr>
+</p:sld>
+</file>
+
+<file path=ppt/slides/slide13.xml><?xml version="1.0" encoding="utf-8"?>
+<p:sld xmlns:a="http://schemas.openxmlformats.org/drawingml/2006/main" xmlns:r="http://schemas.openxmlformats.org/officeDocument/2006/relationships" xmlns:p="http://schemas.openxmlformats.org/presentationml/2006/main">
+  <p:cSld>
+    <p:spTree>
+      <p:nvGrpSpPr>
+        <p:cNvPr id="1" name="Shape 234"/>
+        <p:cNvGrpSpPr/>
+        <p:nvPr/>
+      </p:nvGrpSpPr>
+      <p:grpSpPr>
+        <a:xfrm>
+          <a:off x="0" y="0"/>
+          <a:ext cx="0" cy="0"/>
+          <a:chOff x="0" y="0"/>
+          <a:chExt cx="0" cy="0"/>
+        </a:xfrm>
+      </p:grpSpPr>
+      <p:sp>
+        <p:nvSpPr>
+          <p:cNvPr id="235" name="Google Shape;235;p27"/>
           <p:cNvSpPr txBox="1"/>
           <p:nvPr/>
         </p:nvSpPr>
@@ -13350,7 +15475,7 @@
       </p:sp>
       <p:sp>
         <p:nvSpPr>
-          <p:cNvPr id="207" name="Google Shape;207;p25"/>
+          <p:cNvPr id="236" name="Google Shape;236;p27"/>
           <p:cNvSpPr txBox="1"/>
           <p:nvPr/>
         </p:nvSpPr>
@@ -13478,7 +15603,7 @@
       </p:sp>
       <p:sp>
         <p:nvSpPr>
-          <p:cNvPr id="208" name="Google Shape;208;p25"/>
+          <p:cNvPr id="237" name="Google Shape;237;p27"/>
           <p:cNvSpPr txBox="1"/>
           <p:nvPr/>
         </p:nvSpPr>
@@ -13705,7 +15830,7 @@
       </p:sp>
       <p:sp>
         <p:nvSpPr>
-          <p:cNvPr id="209" name="Google Shape;209;p25"/>
+          <p:cNvPr id="238" name="Google Shape;238;p27"/>
           <p:cNvSpPr txBox="1"/>
           <p:nvPr/>
         </p:nvSpPr>
@@ -13878,7 +16003,7 @@
       </p:sp>
       <p:pic>
         <p:nvPicPr>
-          <p:cNvPr id="210" name="Google Shape;210;p25"/>
+          <p:cNvPr id="239" name="Google Shape;239;p27"/>
           <p:cNvPicPr preferRelativeResize="0"/>
           <p:nvPr/>
         </p:nvPicPr>
@@ -13917,7 +16042,7 @@
       </p:pic>
       <p:pic>
         <p:nvPicPr>
-          <p:cNvPr id="211" name="Google Shape;211;p25"/>
+          <p:cNvPr id="240" name="Google Shape;240;p27"/>
           <p:cNvPicPr preferRelativeResize="0"/>
           <p:nvPr/>
         </p:nvPicPr>
@@ -13962,12 +16087,12 @@
 </p:sld>
 </file>
 
-<file path=ppt/slides/slide12.xml><?xml version="1.0" encoding="utf-8"?>
+<file path=ppt/slides/slide14.xml><?xml version="1.0" encoding="utf-8"?>
 <p:sld xmlns:a="http://schemas.openxmlformats.org/drawingml/2006/main" xmlns:r="http://schemas.openxmlformats.org/officeDocument/2006/relationships" xmlns:p="http://schemas.openxmlformats.org/presentationml/2006/main">
   <p:cSld>
     <p:spTree>
       <p:nvGrpSpPr>
-        <p:cNvPr id="1" name="Shape 215"/>
+        <p:cNvPr id="1" name="Shape 244"/>
         <p:cNvGrpSpPr/>
         <p:nvPr/>
       </p:nvGrpSpPr>
@@ -13981,7 +16106,7 @@
       </p:grpSpPr>
       <p:pic>
         <p:nvPicPr>
-          <p:cNvPr id="216" name="Google Shape;216;p26"/>
+          <p:cNvPr id="245" name="Google Shape;245;p28"/>
           <p:cNvPicPr preferRelativeResize="0"/>
           <p:nvPr/>
         </p:nvPicPr>
@@ -14013,7 +16138,7 @@
       </p:pic>
       <p:sp>
         <p:nvSpPr>
-          <p:cNvPr id="217" name="Google Shape;217;p26"/>
+          <p:cNvPr id="246" name="Google Shape;246;p28"/>
           <p:cNvSpPr txBox="1"/>
           <p:nvPr/>
         </p:nvSpPr>
@@ -14079,7 +16204,7 @@
       </p:sp>
       <p:sp>
         <p:nvSpPr>
-          <p:cNvPr id="218" name="Google Shape;218;p26"/>
+          <p:cNvPr id="247" name="Google Shape;247;p28"/>
           <p:cNvSpPr txBox="1"/>
           <p:nvPr/>
         </p:nvSpPr>
@@ -14509,7 +16634,7 @@
       </p:sp>
       <p:pic>
         <p:nvPicPr>
-          <p:cNvPr id="219" name="Google Shape;219;p26"/>
+          <p:cNvPr id="248" name="Google Shape;248;p28"/>
           <p:cNvPicPr preferRelativeResize="0"/>
           <p:nvPr/>
         </p:nvPicPr>
@@ -14541,7 +16666,7 @@
       </p:pic>
       <p:sp>
         <p:nvSpPr>
-          <p:cNvPr id="220" name="Google Shape;220;p26"/>
+          <p:cNvPr id="249" name="Google Shape;249;p28"/>
           <p:cNvSpPr txBox="1"/>
           <p:nvPr/>
         </p:nvSpPr>
@@ -14620,7 +16745,7 @@
       </p:sp>
       <p:sp>
         <p:nvSpPr>
-          <p:cNvPr id="221" name="Google Shape;221;p26"/>
+          <p:cNvPr id="250" name="Google Shape;250;p28"/>
           <p:cNvSpPr txBox="1"/>
           <p:nvPr/>
         </p:nvSpPr>
@@ -14692,12 +16817,12 @@
 </p:sld>
 </file>
 
-<file path=ppt/slides/slide13.xml><?xml version="1.0" encoding="utf-8"?>
+<file path=ppt/slides/slide15.xml><?xml version="1.0" encoding="utf-8"?>
 <p:sld xmlns:a="http://schemas.openxmlformats.org/drawingml/2006/main" xmlns:r="http://schemas.openxmlformats.org/officeDocument/2006/relationships" xmlns:p="http://schemas.openxmlformats.org/presentationml/2006/main">
   <p:cSld>
     <p:spTree>
       <p:nvGrpSpPr>
-        <p:cNvPr id="1" name="Shape 225"/>
+        <p:cNvPr id="1" name="Shape 254"/>
         <p:cNvGrpSpPr/>
         <p:nvPr/>
       </p:nvGrpSpPr>
@@ -14711,7 +16836,7 @@
       </p:grpSpPr>
       <p:sp>
         <p:nvSpPr>
-          <p:cNvPr id="226" name="Google Shape;226;p27"/>
+          <p:cNvPr id="255" name="Google Shape;255;p29"/>
           <p:cNvSpPr txBox="1"/>
           <p:nvPr/>
         </p:nvSpPr>
@@ -20199,7 +22324,7 @@
             <a:tbl>
               <a:tblPr>
                 <a:noFill/>
-                <a:tableStyleId>{A0C8FAD9-E0B4-4ACA-871A-B24A705246ED}</a:tableStyleId>
+                <a:tableStyleId>{4AA70165-04A6-4DEA-B103-74C252B74D3D}</a:tableStyleId>
               </a:tblPr>
               <a:tblGrid>
                 <a:gridCol w="1800225">
@@ -24667,7 +26792,7 @@
             <a:tbl>
               <a:tblPr>
                 <a:noFill/>
-                <a:tableStyleId>{A0C8FAD9-E0B4-4ACA-871A-B24A705246ED}</a:tableStyleId>
+                <a:tableStyleId>{4AA70165-04A6-4DEA-B103-74C252B74D3D}</a:tableStyleId>
               </a:tblPr>
               <a:tblGrid>
                 <a:gridCol w="1800225">
@@ -29434,7 +31559,7 @@
         <p:spPr>
           <a:xfrm>
             <a:off x="55075" y="466747"/>
-            <a:ext cx="4444500" cy="2219400"/>
+            <a:ext cx="4444500" cy="2388900"/>
           </a:xfrm>
           <a:prstGeom prst="rect">
             <a:avLst/>
@@ -29803,6 +31928,59 @@
                 <a:hlinkClick r:id="rId3"/>
               </a:rPr>
               <a:t>https://www.youtube.com/watch?v=vvrGcWLqMq0</a:t>
+            </a:r>
+            <a:r>
+              <a:rPr lang="en" sz="1100">
+                <a:solidFill>
+                  <a:schemeClr val="dk1"/>
+                </a:solidFill>
+                <a:latin typeface="Calibri"/>
+                <a:ea typeface="Calibri"/>
+                <a:cs typeface="Calibri"/>
+                <a:sym typeface="Calibri"/>
+              </a:rPr>
+              <a:t> </a:t>
+            </a:r>
+            <a:endParaRPr sz="1100">
+              <a:solidFill>
+                <a:schemeClr val="dk1"/>
+              </a:solidFill>
+              <a:latin typeface="Calibri"/>
+              <a:ea typeface="Calibri"/>
+              <a:cs typeface="Calibri"/>
+              <a:sym typeface="Calibri"/>
+            </a:endParaRPr>
+          </a:p>
+          <a:p>
+            <a:pPr marL="171450" marR="0" lvl="0" indent="-127000" algn="l" rtl="0">
+              <a:lnSpc>
+                <a:spcPct val="100000"/>
+              </a:lnSpc>
+              <a:spcBef>
+                <a:spcPts val="0"/>
+              </a:spcBef>
+              <a:spcAft>
+                <a:spcPts val="0"/>
+              </a:spcAft>
+              <a:buClr>
+                <a:schemeClr val="dk1"/>
+              </a:buClr>
+              <a:buSzPts val="1100"/>
+              <a:buFont typeface="Calibri"/>
+              <a:buChar char="●"/>
+            </a:pPr>
+            <a:r>
+              <a:rPr lang="en" sz="1100" u="sng">
+                <a:solidFill>
+                  <a:schemeClr val="hlink"/>
+                </a:solidFill>
+                <a:latin typeface="Calibri"/>
+                <a:ea typeface="Calibri"/>
+                <a:cs typeface="Calibri"/>
+                <a:sym typeface="Calibri"/>
+                <a:hlinkClick r:id="rId4"/>
+              </a:rPr>
+              <a:t>https://api-docs.deepseek.com/news/news251201</a:t>
             </a:r>
             <a:r>
               <a:rPr lang="en" sz="1100">
@@ -29836,7 +32014,7 @@
         </p:nvSpPr>
         <p:spPr>
           <a:xfrm>
-            <a:off x="55075" y="2794849"/>
+            <a:off x="55075" y="3481532"/>
             <a:ext cx="4444500" cy="864900"/>
           </a:xfrm>
           <a:prstGeom prst="rect">
@@ -29927,7 +32105,7 @@
                 <a:ea typeface="Calibri"/>
                 <a:cs typeface="Calibri"/>
                 <a:sym typeface="Calibri"/>
-                <a:hlinkClick r:id="rId4"/>
+                <a:hlinkClick r:id="rId5"/>
               </a:rPr>
               <a:t>https://www.youtube.com/watch?v=7Hi-PeBYi60</a:t>
             </a:r>
@@ -30075,6 +32253,117 @@
           </a:p>
         </p:txBody>
       </p:sp>
+      <p:pic>
+        <p:nvPicPr>
+          <p:cNvPr id="152" name="Google Shape;152;p17"/>
+          <p:cNvPicPr preferRelativeResize="0"/>
+          <p:nvPr/>
+        </p:nvPicPr>
+        <p:blipFill>
+          <a:blip r:embed="rId6" cstate="email">
+            <a:alphaModFix/>
+            <a:extLst>
+              <a:ext uri="{28A0092B-C50C-407E-A947-70E740481C1C}">
+                <a14:useLocalDpi xmlns:a14="http://schemas.microsoft.com/office/drawing/2010/main"/>
+              </a:ext>
+            </a:extLst>
+          </a:blip>
+          <a:stretch>
+            <a:fillRect/>
+          </a:stretch>
+        </p:blipFill>
+        <p:spPr>
+          <a:xfrm>
+            <a:off x="4664950" y="801550"/>
+            <a:ext cx="4339626" cy="2418940"/>
+          </a:xfrm>
+          <a:prstGeom prst="rect">
+            <a:avLst/>
+          </a:prstGeom>
+          <a:noFill/>
+          <a:ln w="9525" cap="flat" cmpd="sng">
+            <a:solidFill>
+              <a:srgbClr val="FF0000"/>
+            </a:solidFill>
+            <a:prstDash val="solid"/>
+            <a:round/>
+            <a:headEnd type="none" w="sm" len="sm"/>
+            <a:tailEnd type="none" w="sm" len="sm"/>
+          </a:ln>
+        </p:spPr>
+      </p:pic>
+      <p:pic>
+        <p:nvPicPr>
+          <p:cNvPr id="153" name="Google Shape;153;p17"/>
+          <p:cNvPicPr preferRelativeResize="0"/>
+          <p:nvPr/>
+        </p:nvPicPr>
+        <p:blipFill>
+          <a:blip r:embed="rId7" cstate="email">
+            <a:alphaModFix/>
+            <a:extLst>
+              <a:ext uri="{28A0092B-C50C-407E-A947-70E740481C1C}">
+                <a14:useLocalDpi xmlns:a14="http://schemas.microsoft.com/office/drawing/2010/main"/>
+              </a:ext>
+            </a:extLst>
+          </a:blip>
+          <a:stretch>
+            <a:fillRect/>
+          </a:stretch>
+        </p:blipFill>
+        <p:spPr>
+          <a:xfrm>
+            <a:off x="4664955" y="95895"/>
+            <a:ext cx="2947070" cy="622025"/>
+          </a:xfrm>
+          <a:prstGeom prst="rect">
+            <a:avLst/>
+          </a:prstGeom>
+          <a:noFill/>
+          <a:ln>
+            <a:noFill/>
+          </a:ln>
+        </p:spPr>
+      </p:pic>
+      <p:pic>
+        <p:nvPicPr>
+          <p:cNvPr id="154" name="Google Shape;154;p17"/>
+          <p:cNvPicPr preferRelativeResize="0"/>
+          <p:nvPr/>
+        </p:nvPicPr>
+        <p:blipFill>
+          <a:blip r:embed="rId8" cstate="email">
+            <a:alphaModFix/>
+            <a:extLst>
+              <a:ext uri="{28A0092B-C50C-407E-A947-70E740481C1C}">
+                <a14:useLocalDpi xmlns:a14="http://schemas.microsoft.com/office/drawing/2010/main"/>
+              </a:ext>
+            </a:extLst>
+          </a:blip>
+          <a:stretch>
+            <a:fillRect/>
+          </a:stretch>
+        </p:blipFill>
+        <p:spPr>
+          <a:xfrm>
+            <a:off x="4651975" y="3372890"/>
+            <a:ext cx="2964306" cy="1618210"/>
+          </a:xfrm>
+          <a:prstGeom prst="rect">
+            <a:avLst/>
+          </a:prstGeom>
+          <a:noFill/>
+          <a:ln w="9525" cap="flat" cmpd="sng">
+            <a:solidFill>
+              <a:srgbClr val="FF0000"/>
+            </a:solidFill>
+            <a:prstDash val="solid"/>
+            <a:round/>
+            <a:headEnd type="none" w="sm" len="sm"/>
+            <a:tailEnd type="none" w="sm" len="sm"/>
+          </a:ln>
+        </p:spPr>
+      </p:pic>
     </p:spTree>
   </p:cSld>
   <p:clrMapOvr>
@@ -30088,7 +32377,7 @@
   <p:cSld>
     <p:spTree>
       <p:nvGrpSpPr>
-        <p:cNvPr id="1" name="Shape 155"/>
+        <p:cNvPr id="1" name="Shape 158"/>
         <p:cNvGrpSpPr/>
         <p:nvPr/>
       </p:nvGrpSpPr>
@@ -30102,7 +32391,7 @@
       </p:grpSpPr>
       <p:sp>
         <p:nvSpPr>
-          <p:cNvPr id="156" name="Google Shape;156;p18"/>
+          <p:cNvPr id="159" name="Google Shape;159;p18"/>
           <p:cNvSpPr txBox="1"/>
           <p:nvPr/>
         </p:nvSpPr>
@@ -30168,14 +32457,14 @@
       </p:sp>
       <p:sp>
         <p:nvSpPr>
-          <p:cNvPr id="157" name="Google Shape;157;p18"/>
+          <p:cNvPr id="160" name="Google Shape;160;p18"/>
           <p:cNvSpPr txBox="1"/>
           <p:nvPr/>
         </p:nvSpPr>
         <p:spPr>
           <a:xfrm>
-            <a:off x="55075" y="401665"/>
-            <a:ext cx="4444500" cy="2050200"/>
+            <a:off x="55075" y="401675"/>
+            <a:ext cx="4090800" cy="2219400"/>
           </a:xfrm>
           <a:prstGeom prst="rect">
             <a:avLst/>
@@ -30455,13 +32744,13 @@
       </p:sp>
       <p:sp>
         <p:nvSpPr>
-          <p:cNvPr id="158" name="Google Shape;158;p18"/>
+          <p:cNvPr id="161" name="Google Shape;161;p18"/>
           <p:cNvSpPr txBox="1"/>
           <p:nvPr/>
         </p:nvSpPr>
         <p:spPr>
           <a:xfrm>
-            <a:off x="55075" y="2680329"/>
+            <a:off x="55075" y="2872079"/>
             <a:ext cx="4444500" cy="2219400"/>
           </a:xfrm>
           <a:prstGeom prst="rect">
@@ -30673,7 +32962,7 @@
                 <a:cs typeface="Calibri"/>
                 <a:sym typeface="Calibri"/>
               </a:rPr>
-              <a:t>The video demonstrates installing P</a:t>
+              <a:t>The video demonstrates installing </a:t>
             </a:r>
             <a:r>
               <a:rPr lang="en" sz="1100" b="1">
@@ -30685,7 +32974,7 @@
                 <a:cs typeface="Calibri"/>
                 <a:sym typeface="Calibri"/>
               </a:rPr>
-              <a:t>laywright MCP </a:t>
+              <a:t>Playwright MCP </a:t>
             </a:r>
             <a:r>
               <a:rPr lang="en" sz="1100">
@@ -30764,6 +33053,84 @@
           </a:p>
         </p:txBody>
       </p:sp>
+      <p:pic>
+        <p:nvPicPr>
+          <p:cNvPr id="162" name="Google Shape;162;p18"/>
+          <p:cNvPicPr preferRelativeResize="0"/>
+          <p:nvPr/>
+        </p:nvPicPr>
+        <p:blipFill>
+          <a:blip r:embed="rId5" cstate="email">
+            <a:alphaModFix/>
+            <a:extLst>
+              <a:ext uri="{28A0092B-C50C-407E-A947-70E740481C1C}">
+                <a14:useLocalDpi xmlns:a14="http://schemas.microsoft.com/office/drawing/2010/main"/>
+              </a:ext>
+            </a:extLst>
+          </a:blip>
+          <a:stretch>
+            <a:fillRect/>
+          </a:stretch>
+        </p:blipFill>
+        <p:spPr>
+          <a:xfrm>
+            <a:off x="4227850" y="33325"/>
+            <a:ext cx="4877276" cy="2662500"/>
+          </a:xfrm>
+          <a:prstGeom prst="rect">
+            <a:avLst/>
+          </a:prstGeom>
+          <a:noFill/>
+          <a:ln w="9525" cap="flat" cmpd="sng">
+            <a:solidFill>
+              <a:srgbClr val="FF0000"/>
+            </a:solidFill>
+            <a:prstDash val="solid"/>
+            <a:round/>
+            <a:headEnd type="none" w="sm" len="sm"/>
+            <a:tailEnd type="none" w="sm" len="sm"/>
+          </a:ln>
+        </p:spPr>
+      </p:pic>
+      <p:pic>
+        <p:nvPicPr>
+          <p:cNvPr id="163" name="Google Shape;163;p18"/>
+          <p:cNvPicPr preferRelativeResize="0"/>
+          <p:nvPr/>
+        </p:nvPicPr>
+        <p:blipFill>
+          <a:blip r:embed="rId6" cstate="email">
+            <a:alphaModFix/>
+            <a:extLst>
+              <a:ext uri="{28A0092B-C50C-407E-A947-70E740481C1C}">
+                <a14:useLocalDpi xmlns:a14="http://schemas.microsoft.com/office/drawing/2010/main"/>
+              </a:ext>
+            </a:extLst>
+          </a:blip>
+          <a:stretch>
+            <a:fillRect/>
+          </a:stretch>
+        </p:blipFill>
+        <p:spPr>
+          <a:xfrm>
+            <a:off x="4651975" y="2870784"/>
+            <a:ext cx="4065582" cy="2219400"/>
+          </a:xfrm>
+          <a:prstGeom prst="rect">
+            <a:avLst/>
+          </a:prstGeom>
+          <a:noFill/>
+          <a:ln w="9525" cap="flat" cmpd="sng">
+            <a:solidFill>
+              <a:srgbClr val="FF0000"/>
+            </a:solidFill>
+            <a:prstDash val="solid"/>
+            <a:round/>
+            <a:headEnd type="none" w="sm" len="sm"/>
+            <a:tailEnd type="none" w="sm" len="sm"/>
+          </a:ln>
+        </p:spPr>
+      </p:pic>
     </p:spTree>
   </p:cSld>
   <p:clrMapOvr>
@@ -30777,7 +33144,7 @@
   <p:cSld>
     <p:spTree>
       <p:nvGrpSpPr>
-        <p:cNvPr id="1" name="Shape 162"/>
+        <p:cNvPr id="1" name="Shape 167"/>
         <p:cNvGrpSpPr/>
         <p:nvPr/>
       </p:nvGrpSpPr>
@@ -30791,7 +33158,7 @@
       </p:grpSpPr>
       <p:sp>
         <p:nvSpPr>
-          <p:cNvPr id="163" name="Google Shape;163;p19"/>
+          <p:cNvPr id="168" name="Google Shape;168;p19"/>
           <p:cNvSpPr txBox="1"/>
           <p:nvPr/>
         </p:nvSpPr>
@@ -31156,7 +33523,7 @@
       </p:sp>
       <p:pic>
         <p:nvPicPr>
-          <p:cNvPr id="164" name="Google Shape;164;p19"/>
+          <p:cNvPr id="169" name="Google Shape;169;p19"/>
           <p:cNvPicPr preferRelativeResize="0"/>
           <p:nvPr/>
         </p:nvPicPr>
@@ -31206,7 +33573,7 @@
   <p:cSld>
     <p:spTree>
       <p:nvGrpSpPr>
-        <p:cNvPr id="1" name="Shape 168"/>
+        <p:cNvPr id="1" name="Shape 173"/>
         <p:cNvGrpSpPr/>
         <p:nvPr/>
       </p:nvGrpSpPr>
@@ -31220,7 +33587,7 @@
       </p:grpSpPr>
       <p:sp>
         <p:nvSpPr>
-          <p:cNvPr id="169" name="Google Shape;169;p20"/>
+          <p:cNvPr id="174" name="Google Shape;174;p20"/>
           <p:cNvSpPr txBox="1"/>
           <p:nvPr/>
         </p:nvSpPr>
@@ -31286,7 +33653,7 @@
       </p:sp>
       <p:sp>
         <p:nvSpPr>
-          <p:cNvPr id="170" name="Google Shape;170;p20"/>
+          <p:cNvPr id="175" name="Google Shape;175;p20"/>
           <p:cNvSpPr txBox="1"/>
           <p:nvPr/>
         </p:nvSpPr>
@@ -31504,7 +33871,30 @@
                 <a:cs typeface="Calibri"/>
                 <a:sym typeface="Calibri"/>
               </a:rPr>
-              <a:t>Users can deploy agents via Google Cloud with a shareable URL or export the system prompt to platforms like Vapi or Retell for handling real phone calls</a:t>
+              <a:t>Users can deploy agents via Google Cloud with a shareable URL </a:t>
+            </a:r>
+            <a:br>
+              <a:rPr lang="en" sz="1100">
+                <a:solidFill>
+                  <a:schemeClr val="dk1"/>
+                </a:solidFill>
+                <a:latin typeface="Calibri"/>
+                <a:ea typeface="Calibri"/>
+                <a:cs typeface="Calibri"/>
+                <a:sym typeface="Calibri"/>
+              </a:rPr>
+            </a:br>
+            <a:r>
+              <a:rPr lang="en" sz="1100">
+                <a:solidFill>
+                  <a:schemeClr val="dk1"/>
+                </a:solidFill>
+                <a:latin typeface="Calibri"/>
+                <a:ea typeface="Calibri"/>
+                <a:cs typeface="Calibri"/>
+                <a:sym typeface="Calibri"/>
+              </a:rPr>
+              <a:t>or export the system prompt to platforms like Vapi or Retell for handling real phone calls</a:t>
             </a:r>
             <a:endParaRPr sz="1100">
               <a:solidFill>
@@ -31573,14 +33963,14 @@
       </p:sp>
       <p:sp>
         <p:nvSpPr>
-          <p:cNvPr id="171" name="Google Shape;171;p20"/>
+          <p:cNvPr id="176" name="Google Shape;176;p20"/>
           <p:cNvSpPr txBox="1"/>
           <p:nvPr/>
         </p:nvSpPr>
         <p:spPr>
           <a:xfrm>
-            <a:off x="4618225" y="1757815"/>
-            <a:ext cx="4444500" cy="2896800"/>
+            <a:off x="4297525" y="2374420"/>
+            <a:ext cx="4787700" cy="1542300"/>
           </a:xfrm>
           <a:prstGeom prst="rect">
             <a:avLst/>
@@ -31803,6 +34193,118 @@
               <a:sym typeface="Calibri"/>
             </a:endParaRPr>
           </a:p>
+        </p:txBody>
+      </p:sp>
+      <p:pic>
+        <p:nvPicPr>
+          <p:cNvPr id="177" name="Google Shape;177;p20"/>
+          <p:cNvPicPr preferRelativeResize="0"/>
+          <p:nvPr/>
+        </p:nvPicPr>
+        <p:blipFill>
+          <a:blip r:embed="rId4" cstate="email">
+            <a:alphaModFix/>
+            <a:extLst>
+              <a:ext uri="{28A0092B-C50C-407E-A947-70E740481C1C}">
+                <a14:useLocalDpi xmlns:a14="http://schemas.microsoft.com/office/drawing/2010/main"/>
+              </a:ext>
+            </a:extLst>
+          </a:blip>
+          <a:stretch>
+            <a:fillRect/>
+          </a:stretch>
+        </p:blipFill>
+        <p:spPr>
+          <a:xfrm>
+            <a:off x="4550459" y="39604"/>
+            <a:ext cx="4059812" cy="2216245"/>
+          </a:xfrm>
+          <a:prstGeom prst="rect">
+            <a:avLst/>
+          </a:prstGeom>
+          <a:noFill/>
+          <a:ln w="9525" cap="flat" cmpd="sng">
+            <a:solidFill>
+              <a:srgbClr val="FF0000"/>
+            </a:solidFill>
+            <a:prstDash val="solid"/>
+            <a:round/>
+            <a:headEnd type="none" w="sm" len="sm"/>
+            <a:tailEnd type="none" w="sm" len="sm"/>
+          </a:ln>
+        </p:spPr>
+      </p:pic>
+      <p:pic>
+        <p:nvPicPr>
+          <p:cNvPr id="178" name="Google Shape;178;p20"/>
+          <p:cNvPicPr preferRelativeResize="0"/>
+          <p:nvPr/>
+        </p:nvPicPr>
+        <p:blipFill>
+          <a:blip r:embed="rId5" cstate="email">
+            <a:alphaModFix/>
+            <a:extLst>
+              <a:ext uri="{28A0092B-C50C-407E-A947-70E740481C1C}">
+                <a14:useLocalDpi xmlns:a14="http://schemas.microsoft.com/office/drawing/2010/main"/>
+              </a:ext>
+            </a:extLst>
+          </a:blip>
+          <a:stretch>
+            <a:fillRect/>
+          </a:stretch>
+        </p:blipFill>
+        <p:spPr>
+          <a:xfrm>
+            <a:off x="201700" y="2741140"/>
+            <a:ext cx="3992724" cy="2179622"/>
+          </a:xfrm>
+          <a:prstGeom prst="rect">
+            <a:avLst/>
+          </a:prstGeom>
+          <a:noFill/>
+          <a:ln w="9525" cap="flat" cmpd="sng">
+            <a:solidFill>
+              <a:srgbClr val="FF0000"/>
+            </a:solidFill>
+            <a:prstDash val="solid"/>
+            <a:round/>
+            <a:headEnd type="none" w="sm" len="sm"/>
+            <a:tailEnd type="none" w="sm" len="sm"/>
+          </a:ln>
+        </p:spPr>
+      </p:pic>
+      <p:sp>
+        <p:nvSpPr>
+          <p:cNvPr id="179" name="Google Shape;179;p20"/>
+          <p:cNvSpPr txBox="1"/>
+          <p:nvPr/>
+        </p:nvSpPr>
+        <p:spPr>
+          <a:xfrm>
+            <a:off x="4297525" y="3999120"/>
+            <a:ext cx="4787700" cy="1034400"/>
+          </a:xfrm>
+          <a:prstGeom prst="rect">
+            <a:avLst/>
+          </a:prstGeom>
+          <a:solidFill>
+            <a:srgbClr val="FFF2CC"/>
+          </a:solidFill>
+          <a:ln w="9525" cap="flat" cmpd="sng">
+            <a:solidFill>
+              <a:srgbClr val="FF0000"/>
+            </a:solidFill>
+            <a:prstDash val="solid"/>
+            <a:round/>
+            <a:headEnd type="none" w="sm" len="sm"/>
+            <a:tailEnd type="none" w="sm" len="sm"/>
+          </a:ln>
+        </p:spPr>
+        <p:txBody>
+          <a:bodyPr spcFirstLastPara="1" wrap="square" lIns="9125" tIns="9125" rIns="9125" bIns="9125" anchor="t" anchorCtr="0">
+            <a:spAutoFit/>
+          </a:bodyPr>
+          <a:lstStyle/>
           <a:p>
             <a:pPr marL="171450" marR="0" lvl="0" indent="-127000" algn="l" rtl="0">
               <a:lnSpc>
@@ -31922,7 +34424,7 @@
                 <a:ea typeface="Calibri"/>
                 <a:cs typeface="Calibri"/>
                 <a:sym typeface="Calibri"/>
-                <a:hlinkClick r:id="rId4"/>
+                <a:hlinkClick r:id="rId6"/>
               </a:rPr>
               <a:t>https://www.youtube.com/watch?v=mSDsLpMogtM</a:t>
             </a:r>
@@ -31951,7 +34453,7 @@
   <p:cSld>
     <p:spTree>
       <p:nvGrpSpPr>
-        <p:cNvPr id="1" name="Shape 175"/>
+        <p:cNvPr id="1" name="Shape 183"/>
         <p:cNvGrpSpPr/>
         <p:nvPr/>
       </p:nvGrpSpPr>
@@ -31965,7 +34467,7 @@
       </p:grpSpPr>
       <p:sp>
         <p:nvSpPr>
-          <p:cNvPr id="176" name="Google Shape;176;p21"/>
+          <p:cNvPr id="184" name="Google Shape;184;p21"/>
           <p:cNvSpPr txBox="1"/>
           <p:nvPr/>
         </p:nvSpPr>
@@ -32031,14 +34533,14 @@
       </p:sp>
       <p:sp>
         <p:nvSpPr>
-          <p:cNvPr id="177" name="Google Shape;177;p21"/>
+          <p:cNvPr id="185" name="Google Shape;185;p21"/>
           <p:cNvSpPr txBox="1"/>
           <p:nvPr/>
         </p:nvSpPr>
         <p:spPr>
           <a:xfrm>
-            <a:off x="55075" y="415065"/>
-            <a:ext cx="4444500" cy="2558100"/>
+            <a:off x="55075" y="346775"/>
+            <a:ext cx="4152300" cy="2388900"/>
           </a:xfrm>
           <a:prstGeom prst="rect">
             <a:avLst/>
@@ -32177,18 +34679,18 @@
             </a:endParaRPr>
           </a:p>
           <a:p>
-            <a:pPr marL="171450" marR="0" lvl="0" indent="-127000" algn="l" rtl="0">
-              <a:lnSpc>
-                <a:spcPct val="100000"/>
-              </a:lnSpc>
-              <a:spcBef>
-                <a:spcPts val="0"/>
-              </a:spcBef>
-              <a:spcAft>
-                <a:spcPts val="0"/>
-              </a:spcAft>
-              <a:buClr>
-                <a:schemeClr val="dk1"/>
+            <a:pPr marL="457200" marR="0" lvl="0" indent="-127000" algn="l" rtl="0">
+              <a:lnSpc>
+                <a:spcPct val="100000"/>
+              </a:lnSpc>
+              <a:spcBef>
+                <a:spcPts val="0"/>
+              </a:spcBef>
+              <a:spcAft>
+                <a:spcPts val="0"/>
+              </a:spcAft>
+              <a:buClr>
+                <a:srgbClr val="3C78D8"/>
               </a:buClr>
               <a:buSzPts val="1100"/>
               <a:buFont typeface="Calibri"/>
@@ -32197,7 +34699,7 @@
             <a:r>
               <a:rPr lang="en" sz="1100">
                 <a:solidFill>
-                  <a:schemeClr val="dk1"/>
+                  <a:srgbClr val="3C78D8"/>
                 </a:solidFill>
                 <a:latin typeface="Calibri"/>
                 <a:ea typeface="Calibri"/>
@@ -32208,7 +34710,167 @@
             </a:r>
             <a:endParaRPr sz="1100">
               <a:solidFill>
-                <a:schemeClr val="dk1"/>
+                <a:srgbClr val="3C78D8"/>
+              </a:solidFill>
+              <a:latin typeface="Calibri"/>
+              <a:ea typeface="Calibri"/>
+              <a:cs typeface="Calibri"/>
+              <a:sym typeface="Calibri"/>
+            </a:endParaRPr>
+          </a:p>
+          <a:p>
+            <a:pPr marL="457200" marR="0" lvl="0" indent="-127000" algn="l" rtl="0">
+              <a:lnSpc>
+                <a:spcPct val="100000"/>
+              </a:lnSpc>
+              <a:spcBef>
+                <a:spcPts val="0"/>
+              </a:spcBef>
+              <a:spcAft>
+                <a:spcPts val="0"/>
+              </a:spcAft>
+              <a:buClr>
+                <a:srgbClr val="3C78D8"/>
+              </a:buClr>
+              <a:buSzPts val="1100"/>
+              <a:buFont typeface="Calibri"/>
+              <a:buChar char="●"/>
+            </a:pPr>
+            <a:r>
+              <a:rPr lang="en" sz="1100">
+                <a:solidFill>
+                  <a:srgbClr val="3C78D8"/>
+                </a:solidFill>
+                <a:latin typeface="Calibri"/>
+                <a:ea typeface="Calibri"/>
+                <a:cs typeface="Calibri"/>
+                <a:sym typeface="Calibri"/>
+              </a:rPr>
+              <a:t>(2) remove unnecessary steps</a:t>
+            </a:r>
+            <a:endParaRPr sz="1100">
+              <a:solidFill>
+                <a:srgbClr val="3C78D8"/>
+              </a:solidFill>
+              <a:latin typeface="Calibri"/>
+              <a:ea typeface="Calibri"/>
+              <a:cs typeface="Calibri"/>
+              <a:sym typeface="Calibri"/>
+            </a:endParaRPr>
+          </a:p>
+          <a:p>
+            <a:pPr marL="457200" marR="0" lvl="0" indent="-127000" algn="l" rtl="0">
+              <a:lnSpc>
+                <a:spcPct val="100000"/>
+              </a:lnSpc>
+              <a:spcBef>
+                <a:spcPts val="0"/>
+              </a:spcBef>
+              <a:spcAft>
+                <a:spcPts val="0"/>
+              </a:spcAft>
+              <a:buClr>
+                <a:srgbClr val="3C78D8"/>
+              </a:buClr>
+              <a:buSzPts val="1100"/>
+              <a:buFont typeface="Calibri"/>
+              <a:buChar char="●"/>
+            </a:pPr>
+            <a:r>
+              <a:rPr lang="en" sz="1100">
+                <a:solidFill>
+                  <a:srgbClr val="3C78D8"/>
+                </a:solidFill>
+                <a:latin typeface="Calibri"/>
+                <a:ea typeface="Calibri"/>
+                <a:cs typeface="Calibri"/>
+                <a:sym typeface="Calibri"/>
+              </a:rPr>
+              <a:t>(3) simplify and optimize</a:t>
+            </a:r>
+            <a:endParaRPr sz="1100">
+              <a:solidFill>
+                <a:srgbClr val="3C78D8"/>
+              </a:solidFill>
+              <a:latin typeface="Calibri"/>
+              <a:ea typeface="Calibri"/>
+              <a:cs typeface="Calibri"/>
+              <a:sym typeface="Calibri"/>
+            </a:endParaRPr>
+          </a:p>
+          <a:p>
+            <a:pPr marL="457200" marR="0" lvl="0" indent="-127000" algn="l" rtl="0">
+              <a:lnSpc>
+                <a:spcPct val="100000"/>
+              </a:lnSpc>
+              <a:spcBef>
+                <a:spcPts val="0"/>
+              </a:spcBef>
+              <a:spcAft>
+                <a:spcPts val="0"/>
+              </a:spcAft>
+              <a:buClr>
+                <a:srgbClr val="3C78D8"/>
+              </a:buClr>
+              <a:buSzPts val="1100"/>
+              <a:buFont typeface="Calibri"/>
+              <a:buChar char="●"/>
+            </a:pPr>
+            <a:r>
+              <a:rPr lang="en" sz="1100">
+                <a:solidFill>
+                  <a:srgbClr val="3C78D8"/>
+                </a:solidFill>
+                <a:latin typeface="Calibri"/>
+                <a:ea typeface="Calibri"/>
+                <a:cs typeface="Calibri"/>
+                <a:sym typeface="Calibri"/>
+              </a:rPr>
+              <a:t>(4) accelerate learning cycles</a:t>
+            </a:r>
+            <a:endParaRPr sz="1100">
+              <a:solidFill>
+                <a:srgbClr val="3C78D8"/>
+              </a:solidFill>
+              <a:latin typeface="Calibri"/>
+              <a:ea typeface="Calibri"/>
+              <a:cs typeface="Calibri"/>
+              <a:sym typeface="Calibri"/>
+            </a:endParaRPr>
+          </a:p>
+          <a:p>
+            <a:pPr marL="457200" marR="0" lvl="0" indent="-127000" algn="l" rtl="0">
+              <a:lnSpc>
+                <a:spcPct val="100000"/>
+              </a:lnSpc>
+              <a:spcBef>
+                <a:spcPts val="0"/>
+              </a:spcBef>
+              <a:spcAft>
+                <a:spcPts val="0"/>
+              </a:spcAft>
+              <a:buClr>
+                <a:srgbClr val="3C78D8"/>
+              </a:buClr>
+              <a:buSzPts val="1100"/>
+              <a:buFont typeface="Calibri"/>
+              <a:buChar char="●"/>
+            </a:pPr>
+            <a:r>
+              <a:rPr lang="en" sz="1100">
+                <a:solidFill>
+                  <a:srgbClr val="3C78D8"/>
+                </a:solidFill>
+                <a:latin typeface="Calibri"/>
+                <a:ea typeface="Calibri"/>
+                <a:cs typeface="Calibri"/>
+                <a:sym typeface="Calibri"/>
+              </a:rPr>
+              <a:t>(5) automate and systematize</a:t>
+            </a:r>
+            <a:endParaRPr sz="1100">
+              <a:solidFill>
+                <a:srgbClr val="3C78D8"/>
               </a:solidFill>
               <a:latin typeface="Calibri"/>
               <a:ea typeface="Calibri"/>
@@ -32228,27 +34890,27 @@
                 <a:spcPts val="0"/>
               </a:spcAft>
               <a:buClr>
-                <a:schemeClr val="dk1"/>
+                <a:srgbClr val="FF0000"/>
               </a:buClr>
               <a:buSzPts val="1100"/>
               <a:buFont typeface="Calibri"/>
               <a:buChar char="●"/>
             </a:pPr>
             <a:r>
-              <a:rPr lang="en" sz="1100">
-                <a:solidFill>
-                  <a:schemeClr val="dk1"/>
+              <a:rPr lang="en" sz="1100" b="1">
+                <a:solidFill>
+                  <a:srgbClr val="FF0000"/>
                 </a:solidFill>
                 <a:latin typeface="Calibri"/>
                 <a:ea typeface="Calibri"/>
                 <a:cs typeface="Calibri"/>
                 <a:sym typeface="Calibri"/>
               </a:rPr>
-              <a:t>(2) remove unnecessary steps</a:t>
+              <a:t>Ambitious future vision fundamentally shapes present actions and decision-making ("future self")</a:t>
             </a:r>
-            <a:endParaRPr sz="1100">
+            <a:endParaRPr sz="1100" b="1">
               <a:solidFill>
-                <a:schemeClr val="dk1"/>
+                <a:srgbClr val="FF0000"/>
               </a:solidFill>
               <a:latin typeface="Calibri"/>
               <a:ea typeface="Calibri"/>
@@ -32268,27 +34930,27 @@
                 <a:spcPts val="0"/>
               </a:spcAft>
               <a:buClr>
-                <a:schemeClr val="dk1"/>
+                <a:srgbClr val="3C78D8"/>
               </a:buClr>
               <a:buSzPts val="1100"/>
               <a:buFont typeface="Calibri"/>
               <a:buChar char="●"/>
             </a:pPr>
             <a:r>
-              <a:rPr lang="en" sz="1100">
-                <a:solidFill>
-                  <a:schemeClr val="dk1"/>
+              <a:rPr lang="en" sz="1100" b="1">
+                <a:solidFill>
+                  <a:srgbClr val="3C78D8"/>
                 </a:solidFill>
                 <a:latin typeface="Calibri"/>
                 <a:ea typeface="Calibri"/>
                 <a:cs typeface="Calibri"/>
                 <a:sym typeface="Calibri"/>
               </a:rPr>
-              <a:t>(3) simplify and optimize</a:t>
+              <a:t>High goals filter out distractions, foster clarity and accountability, and drive true scalability</a:t>
             </a:r>
-            <a:endParaRPr sz="1100">
+            <a:endParaRPr sz="1100" b="1">
               <a:solidFill>
-                <a:schemeClr val="dk1"/>
+                <a:srgbClr val="3C78D8"/>
               </a:solidFill>
               <a:latin typeface="Calibri"/>
               <a:ea typeface="Calibri"/>
@@ -32308,216 +34970,16 @@
                 <a:spcPts val="0"/>
               </a:spcAft>
               <a:buClr>
-                <a:schemeClr val="dk1"/>
+                <a:srgbClr val="FF0000"/>
               </a:buClr>
               <a:buSzPts val="1100"/>
               <a:buFont typeface="Calibri"/>
               <a:buChar char="●"/>
             </a:pPr>
             <a:r>
-              <a:rPr lang="en" sz="1100">
-                <a:solidFill>
-                  <a:schemeClr val="dk1"/>
-                </a:solidFill>
-                <a:latin typeface="Calibri"/>
-                <a:ea typeface="Calibri"/>
-                <a:cs typeface="Calibri"/>
-                <a:sym typeface="Calibri"/>
-              </a:rPr>
-              <a:t>(4) accelerate learning cycles</a:t>
-            </a:r>
-            <a:endParaRPr sz="1100">
-              <a:solidFill>
-                <a:schemeClr val="dk1"/>
-              </a:solidFill>
-              <a:latin typeface="Calibri"/>
-              <a:ea typeface="Calibri"/>
-              <a:cs typeface="Calibri"/>
-              <a:sym typeface="Calibri"/>
-            </a:endParaRPr>
-          </a:p>
-          <a:p>
-            <a:pPr marL="171450" marR="0" lvl="0" indent="-127000" algn="l" rtl="0">
-              <a:lnSpc>
-                <a:spcPct val="100000"/>
-              </a:lnSpc>
-              <a:spcBef>
-                <a:spcPts val="0"/>
-              </a:spcBef>
-              <a:spcAft>
-                <a:spcPts val="0"/>
-              </a:spcAft>
-              <a:buClr>
-                <a:schemeClr val="dk1"/>
-              </a:buClr>
-              <a:buSzPts val="1100"/>
-              <a:buFont typeface="Calibri"/>
-              <a:buChar char="●"/>
-            </a:pPr>
-            <a:r>
-              <a:rPr lang="en" sz="1100">
-                <a:solidFill>
-                  <a:schemeClr val="dk1"/>
-                </a:solidFill>
-                <a:latin typeface="Calibri"/>
-                <a:ea typeface="Calibri"/>
-                <a:cs typeface="Calibri"/>
-                <a:sym typeface="Calibri"/>
-              </a:rPr>
-              <a:t>(5) automate and systematize</a:t>
-            </a:r>
-            <a:endParaRPr sz="1100">
-              <a:solidFill>
-                <a:schemeClr val="dk1"/>
-              </a:solidFill>
-              <a:latin typeface="Calibri"/>
-              <a:ea typeface="Calibri"/>
-              <a:cs typeface="Calibri"/>
-              <a:sym typeface="Calibri"/>
-            </a:endParaRPr>
-          </a:p>
-          <a:p>
-            <a:pPr marL="171450" marR="0" lvl="0" indent="-127000" algn="l" rtl="0">
-              <a:lnSpc>
-                <a:spcPct val="100000"/>
-              </a:lnSpc>
-              <a:spcBef>
-                <a:spcPts val="0"/>
-              </a:spcBef>
-              <a:spcAft>
-                <a:spcPts val="0"/>
-              </a:spcAft>
-              <a:buClr>
-                <a:schemeClr val="dk1"/>
-              </a:buClr>
-              <a:buSzPts val="1100"/>
-              <a:buFont typeface="Calibri"/>
-              <a:buChar char="●"/>
-            </a:pPr>
-            <a:r>
-              <a:rPr lang="en" sz="1100">
-                <a:solidFill>
-                  <a:schemeClr val="dk1"/>
-                </a:solidFill>
-                <a:latin typeface="Calibri"/>
-                <a:ea typeface="Calibri"/>
-                <a:cs typeface="Calibri"/>
-                <a:sym typeface="Calibri"/>
-              </a:rPr>
-              <a:t>Examples: reframing the approach and leveraging strategic partnerships </a:t>
-            </a:r>
-            <a:endParaRPr sz="1100">
-              <a:solidFill>
-                <a:schemeClr val="dk1"/>
-              </a:solidFill>
-              <a:latin typeface="Calibri"/>
-              <a:ea typeface="Calibri"/>
-              <a:cs typeface="Calibri"/>
-              <a:sym typeface="Calibri"/>
-            </a:endParaRPr>
-          </a:p>
-          <a:p>
-            <a:pPr marL="171450" marR="0" lvl="0" indent="-127000" algn="l" rtl="0">
-              <a:lnSpc>
-                <a:spcPct val="100000"/>
-              </a:lnSpc>
-              <a:spcBef>
-                <a:spcPts val="0"/>
-              </a:spcBef>
-              <a:spcAft>
-                <a:spcPts val="0"/>
-              </a:spcAft>
-              <a:buClr>
-                <a:schemeClr val="dk1"/>
-              </a:buClr>
-              <a:buSzPts val="1100"/>
-              <a:buFont typeface="Calibri"/>
-              <a:buChar char="●"/>
-            </a:pPr>
-            <a:r>
-              <a:rPr lang="en" sz="1100">
-                <a:solidFill>
-                  <a:schemeClr val="dk1"/>
-                </a:solidFill>
-                <a:latin typeface="Calibri"/>
-                <a:ea typeface="Calibri"/>
-                <a:cs typeface="Calibri"/>
-                <a:sym typeface="Calibri"/>
-              </a:rPr>
-              <a:t>Ambitious future vision fundamentally shapes present actions and decision-making ("future self")</a:t>
-            </a:r>
-            <a:endParaRPr sz="1100">
-              <a:solidFill>
-                <a:schemeClr val="dk1"/>
-              </a:solidFill>
-              <a:latin typeface="Calibri"/>
-              <a:ea typeface="Calibri"/>
-              <a:cs typeface="Calibri"/>
-              <a:sym typeface="Calibri"/>
-            </a:endParaRPr>
-          </a:p>
-          <a:p>
-            <a:pPr marL="171450" marR="0" lvl="0" indent="-127000" algn="l" rtl="0">
-              <a:lnSpc>
-                <a:spcPct val="100000"/>
-              </a:lnSpc>
-              <a:spcBef>
-                <a:spcPts val="0"/>
-              </a:spcBef>
-              <a:spcAft>
-                <a:spcPts val="0"/>
-              </a:spcAft>
-              <a:buClr>
-                <a:schemeClr val="dk1"/>
-              </a:buClr>
-              <a:buSzPts val="1100"/>
-              <a:buFont typeface="Calibri"/>
-              <a:buChar char="●"/>
-            </a:pPr>
-            <a:r>
-              <a:rPr lang="en" sz="1100">
-                <a:solidFill>
-                  <a:schemeClr val="dk1"/>
-                </a:solidFill>
-                <a:latin typeface="Calibri"/>
-                <a:ea typeface="Calibri"/>
-                <a:cs typeface="Calibri"/>
-                <a:sym typeface="Calibri"/>
-              </a:rPr>
-              <a:t>High goals filter out distractions, foster clarity and accountability, and drive true scalability</a:t>
-            </a:r>
-            <a:endParaRPr sz="1100">
-              <a:solidFill>
-                <a:schemeClr val="dk1"/>
-              </a:solidFill>
-              <a:latin typeface="Calibri"/>
-              <a:ea typeface="Calibri"/>
-              <a:cs typeface="Calibri"/>
-              <a:sym typeface="Calibri"/>
-            </a:endParaRPr>
-          </a:p>
-          <a:p>
-            <a:pPr marL="171450" marR="0" lvl="0" indent="-127000" algn="l" rtl="0">
-              <a:lnSpc>
-                <a:spcPct val="100000"/>
-              </a:lnSpc>
-              <a:spcBef>
-                <a:spcPts val="0"/>
-              </a:spcBef>
-              <a:spcAft>
-                <a:spcPts val="0"/>
-              </a:spcAft>
-              <a:buClr>
-                <a:schemeClr val="dk1"/>
-              </a:buClr>
-              <a:buSzPts val="1100"/>
-              <a:buFont typeface="Calibri"/>
-              <a:buChar char="●"/>
-            </a:pPr>
-            <a:r>
-              <a:rPr lang="en" sz="1100">
-                <a:solidFill>
-                  <a:schemeClr val="dk1"/>
+              <a:rPr lang="en" sz="1100" b="1">
+                <a:solidFill>
+                  <a:srgbClr val="FF0000"/>
                 </a:solidFill>
                 <a:latin typeface="Calibri"/>
                 <a:ea typeface="Calibri"/>
@@ -32526,9 +34988,9 @@
               </a:rPr>
               <a:t>Choose worthy goals, build accountability, and focus on scalable impact rather than maintaining the status quo</a:t>
             </a:r>
-            <a:endParaRPr sz="1100">
+            <a:endParaRPr sz="1100" b="1">
               <a:solidFill>
-                <a:schemeClr val="dk1"/>
+                <a:srgbClr val="FF0000"/>
               </a:solidFill>
               <a:latin typeface="Calibri"/>
               <a:ea typeface="Calibri"/>
@@ -32540,13 +35002,13 @@
       </p:sp>
       <p:sp>
         <p:nvSpPr>
-          <p:cNvPr id="178" name="Google Shape;178;p21"/>
+          <p:cNvPr id="186" name="Google Shape;186;p21"/>
           <p:cNvSpPr txBox="1"/>
           <p:nvPr/>
         </p:nvSpPr>
         <p:spPr>
           <a:xfrm>
-            <a:off x="4652325" y="2850240"/>
+            <a:off x="4652325" y="2872815"/>
             <a:ext cx="4444500" cy="2219400"/>
           </a:xfrm>
           <a:prstGeom prst="rect">
@@ -32825,6 +35287,84 @@
           </a:p>
         </p:txBody>
       </p:sp>
+      <p:pic>
+        <p:nvPicPr>
+          <p:cNvPr id="187" name="Google Shape;187;p21"/>
+          <p:cNvPicPr preferRelativeResize="0"/>
+          <p:nvPr/>
+        </p:nvPicPr>
+        <p:blipFill>
+          <a:blip r:embed="rId5" cstate="email">
+            <a:alphaModFix/>
+            <a:extLst>
+              <a:ext uri="{28A0092B-C50C-407E-A947-70E740481C1C}">
+                <a14:useLocalDpi xmlns:a14="http://schemas.microsoft.com/office/drawing/2010/main"/>
+              </a:ext>
+            </a:extLst>
+          </a:blip>
+          <a:stretch>
+            <a:fillRect/>
+          </a:stretch>
+        </p:blipFill>
+        <p:spPr>
+          <a:xfrm>
+            <a:off x="4292800" y="506348"/>
+            <a:ext cx="3828526" cy="2090000"/>
+          </a:xfrm>
+          <a:prstGeom prst="rect">
+            <a:avLst/>
+          </a:prstGeom>
+          <a:noFill/>
+          <a:ln w="9525" cap="flat" cmpd="sng">
+            <a:solidFill>
+              <a:srgbClr val="FF0000"/>
+            </a:solidFill>
+            <a:prstDash val="solid"/>
+            <a:round/>
+            <a:headEnd type="none" w="sm" len="sm"/>
+            <a:tailEnd type="none" w="sm" len="sm"/>
+          </a:ln>
+        </p:spPr>
+      </p:pic>
+      <p:pic>
+        <p:nvPicPr>
+          <p:cNvPr id="188" name="Google Shape;188;p21"/>
+          <p:cNvPicPr preferRelativeResize="0"/>
+          <p:nvPr/>
+        </p:nvPicPr>
+        <p:blipFill>
+          <a:blip r:embed="rId6" cstate="email">
+            <a:alphaModFix/>
+            <a:extLst>
+              <a:ext uri="{28A0092B-C50C-407E-A947-70E740481C1C}">
+                <a14:useLocalDpi xmlns:a14="http://schemas.microsoft.com/office/drawing/2010/main"/>
+              </a:ext>
+            </a:extLst>
+          </a:blip>
+          <a:stretch>
+            <a:fillRect/>
+          </a:stretch>
+        </p:blipFill>
+        <p:spPr>
+          <a:xfrm>
+            <a:off x="458069" y="2872825"/>
+            <a:ext cx="4065580" cy="2219400"/>
+          </a:xfrm>
+          <a:prstGeom prst="rect">
+            <a:avLst/>
+          </a:prstGeom>
+          <a:noFill/>
+          <a:ln w="9525" cap="flat" cmpd="sng">
+            <a:solidFill>
+              <a:srgbClr val="FF0000"/>
+            </a:solidFill>
+            <a:prstDash val="solid"/>
+            <a:round/>
+            <a:headEnd type="none" w="sm" len="sm"/>
+            <a:tailEnd type="none" w="sm" len="sm"/>
+          </a:ln>
+        </p:spPr>
+      </p:pic>
     </p:spTree>
   </p:cSld>
   <p:clrMapOvr>
@@ -32838,7 +35378,7 @@
   <p:cSld>
     <p:spTree>
       <p:nvGrpSpPr>
-        <p:cNvPr id="1" name="Shape 182"/>
+        <p:cNvPr id="1" name="Shape 192"/>
         <p:cNvGrpSpPr/>
         <p:nvPr/>
       </p:nvGrpSpPr>
@@ -32852,7 +35392,7 @@
       </p:grpSpPr>
       <p:sp>
         <p:nvSpPr>
-          <p:cNvPr id="183" name="Google Shape;183;p22"/>
+          <p:cNvPr id="193" name="Google Shape;193;p22"/>
           <p:cNvSpPr txBox="1"/>
           <p:nvPr/>
         </p:nvSpPr>
@@ -32918,7 +35458,7 @@
       </p:sp>
       <p:sp>
         <p:nvSpPr>
-          <p:cNvPr id="184" name="Google Shape;184;p22"/>
+          <p:cNvPr id="194" name="Google Shape;194;p22"/>
           <p:cNvSpPr txBox="1"/>
           <p:nvPr/>
         </p:nvSpPr>
@@ -33278,7 +35818,7 @@
       </p:sp>
       <p:pic>
         <p:nvPicPr>
-          <p:cNvPr id="185" name="Google Shape;185;p22"/>
+          <p:cNvPr id="195" name="Google Shape;195;p22"/>
           <p:cNvPicPr preferRelativeResize="0"/>
           <p:nvPr/>
         </p:nvPicPr>
@@ -33317,7 +35857,7 @@
       </p:pic>
       <p:sp>
         <p:nvSpPr>
-          <p:cNvPr id="186" name="Google Shape;186;p22"/>
+          <p:cNvPr id="196" name="Google Shape;196;p22"/>
           <p:cNvSpPr txBox="1"/>
           <p:nvPr/>
         </p:nvSpPr>
@@ -33552,7 +36092,7 @@
       </p:sp>
       <p:pic>
         <p:nvPicPr>
-          <p:cNvPr id="187" name="Google Shape;187;p22"/>
+          <p:cNvPr id="197" name="Google Shape;197;p22"/>
           <p:cNvPicPr preferRelativeResize="0"/>
           <p:nvPr/>
         </p:nvPicPr>
@@ -33601,7 +36141,7 @@
   <p:cSld>
     <p:spTree>
       <p:nvGrpSpPr>
-        <p:cNvPr id="1" name="Shape 191"/>
+        <p:cNvPr id="1" name="Shape 201"/>
         <p:cNvGrpSpPr/>
         <p:nvPr/>
       </p:nvGrpSpPr>
@@ -33615,7 +36155,7 @@
       </p:grpSpPr>
       <p:sp>
         <p:nvSpPr>
-          <p:cNvPr id="192" name="Google Shape;192;p23"/>
+          <p:cNvPr id="202" name="Google Shape;202;p23"/>
           <p:cNvSpPr txBox="1"/>
           <p:nvPr/>
         </p:nvSpPr>
@@ -33681,7 +36221,7 @@
       </p:sp>
       <p:sp>
         <p:nvSpPr>
-          <p:cNvPr id="193" name="Google Shape;193;p23"/>
+          <p:cNvPr id="203" name="Google Shape;203;p23"/>
           <p:cNvSpPr txBox="1"/>
           <p:nvPr/>
         </p:nvSpPr>
@@ -34092,7 +36632,7 @@
       </p:sp>
       <p:sp>
         <p:nvSpPr>
-          <p:cNvPr id="194" name="Google Shape;194;p23"/>
+          <p:cNvPr id="204" name="Google Shape;204;p23"/>
           <p:cNvSpPr txBox="1"/>
           <p:nvPr/>
         </p:nvSpPr>
@@ -34396,6 +36936,84 @@
           </a:p>
         </p:txBody>
       </p:sp>
+      <p:pic>
+        <p:nvPicPr>
+          <p:cNvPr id="205" name="Google Shape;205;p23"/>
+          <p:cNvPicPr preferRelativeResize="0"/>
+          <p:nvPr/>
+        </p:nvPicPr>
+        <p:blipFill>
+          <a:blip r:embed="rId4" cstate="email">
+            <a:alphaModFix/>
+            <a:extLst>
+              <a:ext uri="{28A0092B-C50C-407E-A947-70E740481C1C}">
+                <a14:useLocalDpi xmlns:a14="http://schemas.microsoft.com/office/drawing/2010/main"/>
+              </a:ext>
+            </a:extLst>
+          </a:blip>
+          <a:stretch>
+            <a:fillRect/>
+          </a:stretch>
+        </p:blipFill>
+        <p:spPr>
+          <a:xfrm>
+            <a:off x="4579600" y="872275"/>
+            <a:ext cx="3051499" cy="786000"/>
+          </a:xfrm>
+          <a:prstGeom prst="rect">
+            <a:avLst/>
+          </a:prstGeom>
+          <a:noFill/>
+          <a:ln w="9525" cap="flat" cmpd="sng">
+            <a:solidFill>
+              <a:srgbClr val="FF0000"/>
+            </a:solidFill>
+            <a:prstDash val="solid"/>
+            <a:round/>
+            <a:headEnd type="none" w="sm" len="sm"/>
+            <a:tailEnd type="none" w="sm" len="sm"/>
+          </a:ln>
+        </p:spPr>
+      </p:pic>
+      <p:pic>
+        <p:nvPicPr>
+          <p:cNvPr id="206" name="Google Shape;206;p23"/>
+          <p:cNvPicPr preferRelativeResize="0"/>
+          <p:nvPr/>
+        </p:nvPicPr>
+        <p:blipFill>
+          <a:blip r:embed="rId5" cstate="email">
+            <a:alphaModFix/>
+            <a:extLst>
+              <a:ext uri="{28A0092B-C50C-407E-A947-70E740481C1C}">
+                <a14:useLocalDpi xmlns:a14="http://schemas.microsoft.com/office/drawing/2010/main"/>
+              </a:ext>
+            </a:extLst>
+          </a:blip>
+          <a:stretch>
+            <a:fillRect/>
+          </a:stretch>
+        </p:blipFill>
+        <p:spPr>
+          <a:xfrm>
+            <a:off x="1280925" y="3141598"/>
+            <a:ext cx="3298674" cy="1627625"/>
+          </a:xfrm>
+          <a:prstGeom prst="rect">
+            <a:avLst/>
+          </a:prstGeom>
+          <a:noFill/>
+          <a:ln w="9525" cap="flat" cmpd="sng">
+            <a:solidFill>
+              <a:srgbClr val="FF0000"/>
+            </a:solidFill>
+            <a:prstDash val="solid"/>
+            <a:round/>
+            <a:headEnd type="none" w="sm" len="sm"/>
+            <a:tailEnd type="none" w="sm" len="sm"/>
+          </a:ln>
+        </p:spPr>
+      </p:pic>
     </p:spTree>
   </p:cSld>
   <p:clrMapOvr>
